--- a/lagrangian/fig/fig.pptx
+++ b/lagrangian/fig/fig.pptx
@@ -6595,8 +6595,8 @@
           <a:chExt cx="0" cy="0"/>
         </a:xfrm>
       </p:grpSpPr>
-      <mc:AlternateContent xmlns:mc="http://schemas.openxmlformats.org/markup-compatibility/2006">
-        <mc:Choice xmlns:a14="http://schemas.microsoft.com/office/drawing/2010/main" Requires="a14">
+      <mc:AlternateContent xmlns:mc="http://schemas.openxmlformats.org/markup-compatibility/2006" xmlns:a14="http://schemas.microsoft.com/office/drawing/2010/main">
+        <mc:Choice Requires="a14">
           <p:sp>
             <p:nvSpPr>
               <p:cNvPr id="2" name="テキスト ボックス 1">
@@ -6625,6 +6625,7 @@
               </a:bodyPr>
               <a:lstStyle/>
               <a:p>
+                <a:pPr/>
                 <a14:m>
                   <m:oMathPara xmlns:m="http://schemas.openxmlformats.org/officeDocument/2006/math">
                     <m:oMathParaPr>
@@ -6675,7 +6676,7 @@
             </p:txBody>
           </p:sp>
         </mc:Choice>
-        <mc:Fallback>
+        <mc:Fallback xmlns="">
           <p:sp>
             <p:nvSpPr>
               <p:cNvPr id="2" name="テキスト ボックス 1">
@@ -6720,8 +6721,8 @@
           </p:sp>
         </mc:Fallback>
       </mc:AlternateContent>
-      <mc:AlternateContent xmlns:mc="http://schemas.openxmlformats.org/markup-compatibility/2006">
-        <mc:Choice xmlns:a14="http://schemas.microsoft.com/office/drawing/2010/main" Requires="a14">
+      <mc:AlternateContent xmlns:mc="http://schemas.openxmlformats.org/markup-compatibility/2006" xmlns:a14="http://schemas.microsoft.com/office/drawing/2010/main">
+        <mc:Choice Requires="a14">
           <p:sp>
             <p:nvSpPr>
               <p:cNvPr id="3" name="テキスト ボックス 2">
@@ -6750,6 +6751,7 @@
               </a:bodyPr>
               <a:lstStyle/>
               <a:p>
+                <a:pPr/>
                 <a14:m>
                   <m:oMathPara xmlns:m="http://schemas.openxmlformats.org/officeDocument/2006/math">
                     <m:oMathParaPr>
@@ -6831,7 +6833,7 @@
             </p:txBody>
           </p:sp>
         </mc:Choice>
-        <mc:Fallback>
+        <mc:Fallback xmlns="">
           <p:sp>
             <p:nvSpPr>
               <p:cNvPr id="3" name="テキスト ボックス 2">
@@ -6876,8 +6878,8 @@
           </p:sp>
         </mc:Fallback>
       </mc:AlternateContent>
-      <mc:AlternateContent xmlns:mc="http://schemas.openxmlformats.org/markup-compatibility/2006">
-        <mc:Choice xmlns:a14="http://schemas.microsoft.com/office/drawing/2010/main" Requires="a14">
+      <mc:AlternateContent xmlns:mc="http://schemas.openxmlformats.org/markup-compatibility/2006" xmlns:a14="http://schemas.microsoft.com/office/drawing/2010/main">
+        <mc:Choice Requires="a14">
           <p:sp>
             <p:nvSpPr>
               <p:cNvPr id="4" name="テキスト ボックス 3">
@@ -6906,6 +6908,7 @@
               </a:bodyPr>
               <a:lstStyle/>
               <a:p>
+                <a:pPr/>
                 <a14:m>
                   <m:oMathPara xmlns:m="http://schemas.openxmlformats.org/officeDocument/2006/math">
                     <m:oMathParaPr>
@@ -7012,7 +7015,7 @@
             </p:txBody>
           </p:sp>
         </mc:Choice>
-        <mc:Fallback>
+        <mc:Fallback xmlns="">
           <p:sp>
             <p:nvSpPr>
               <p:cNvPr id="4" name="テキスト ボックス 3">
@@ -7057,8 +7060,8 @@
           </p:sp>
         </mc:Fallback>
       </mc:AlternateContent>
-      <mc:AlternateContent xmlns:mc="http://schemas.openxmlformats.org/markup-compatibility/2006">
-        <mc:Choice xmlns:a14="http://schemas.microsoft.com/office/drawing/2010/main" Requires="a14">
+      <mc:AlternateContent xmlns:mc="http://schemas.openxmlformats.org/markup-compatibility/2006" xmlns:a14="http://schemas.microsoft.com/office/drawing/2010/main">
+        <mc:Choice Requires="a14">
           <p:sp>
             <p:nvSpPr>
               <p:cNvPr id="5" name="テキスト ボックス 4">
@@ -7087,6 +7090,7 @@
               </a:bodyPr>
               <a:lstStyle/>
               <a:p>
+                <a:pPr/>
                 <a14:m>
                   <m:oMathPara xmlns:m="http://schemas.openxmlformats.org/officeDocument/2006/math">
                     <m:oMathParaPr>
@@ -7297,7 +7301,7 @@
             </p:txBody>
           </p:sp>
         </mc:Choice>
-        <mc:Fallback>
+        <mc:Fallback xmlns="">
           <p:sp>
             <p:nvSpPr>
               <p:cNvPr id="5" name="テキスト ボックス 4">
@@ -7342,8 +7346,8 @@
           </p:sp>
         </mc:Fallback>
       </mc:AlternateContent>
-      <mc:AlternateContent xmlns:mc="http://schemas.openxmlformats.org/markup-compatibility/2006">
-        <mc:Choice xmlns:a14="http://schemas.microsoft.com/office/drawing/2010/main" Requires="a14">
+      <mc:AlternateContent xmlns:mc="http://schemas.openxmlformats.org/markup-compatibility/2006" xmlns:a14="http://schemas.microsoft.com/office/drawing/2010/main">
+        <mc:Choice Requires="a14">
           <p:sp>
             <p:nvSpPr>
               <p:cNvPr id="6" name="テキスト ボックス 5">
@@ -7372,6 +7376,7 @@
               </a:bodyPr>
               <a:lstStyle/>
               <a:p>
+                <a:pPr/>
                 <a14:m>
                   <m:oMathPara xmlns:m="http://schemas.openxmlformats.org/officeDocument/2006/math">
                     <m:oMathParaPr>
@@ -7534,7 +7539,7 @@
             </p:txBody>
           </p:sp>
         </mc:Choice>
-        <mc:Fallback>
+        <mc:Fallback xmlns="">
           <p:sp>
             <p:nvSpPr>
               <p:cNvPr id="6" name="テキスト ボックス 5">
@@ -7579,8 +7584,8 @@
           </p:sp>
         </mc:Fallback>
       </mc:AlternateContent>
-      <mc:AlternateContent xmlns:mc="http://schemas.openxmlformats.org/markup-compatibility/2006">
-        <mc:Choice xmlns:a14="http://schemas.microsoft.com/office/drawing/2010/main" Requires="a14">
+      <mc:AlternateContent xmlns:mc="http://schemas.openxmlformats.org/markup-compatibility/2006" xmlns:a14="http://schemas.microsoft.com/office/drawing/2010/main">
+        <mc:Choice Requires="a14">
           <p:sp>
             <p:nvSpPr>
               <p:cNvPr id="7" name="テキスト ボックス 6">
@@ -7609,6 +7614,7 @@
               </a:bodyPr>
               <a:lstStyle/>
               <a:p>
+                <a:pPr/>
                 <a14:m>
                   <m:oMathPara xmlns:m="http://schemas.openxmlformats.org/officeDocument/2006/math">
                     <m:oMathParaPr>
@@ -7729,7 +7735,7 @@
             </p:txBody>
           </p:sp>
         </mc:Choice>
-        <mc:Fallback>
+        <mc:Fallback xmlns="">
           <p:sp>
             <p:nvSpPr>
               <p:cNvPr id="7" name="テキスト ボックス 6">
@@ -7774,8 +7780,8 @@
           </p:sp>
         </mc:Fallback>
       </mc:AlternateContent>
-      <mc:AlternateContent xmlns:mc="http://schemas.openxmlformats.org/markup-compatibility/2006">
-        <mc:Choice xmlns:a14="http://schemas.microsoft.com/office/drawing/2010/main" Requires="a14">
+      <mc:AlternateContent xmlns:mc="http://schemas.openxmlformats.org/markup-compatibility/2006" xmlns:a14="http://schemas.microsoft.com/office/drawing/2010/main">
+        <mc:Choice Requires="a14">
           <p:sp>
             <p:nvSpPr>
               <p:cNvPr id="9" name="テキスト ボックス 8">
@@ -7804,6 +7810,7 @@
               </a:bodyPr>
               <a:lstStyle/>
               <a:p>
+                <a:pPr/>
                 <a14:m>
                   <m:oMathPara xmlns:m="http://schemas.openxmlformats.org/officeDocument/2006/math">
                     <m:oMathParaPr>
@@ -8075,7 +8082,7 @@
             </p:txBody>
           </p:sp>
         </mc:Choice>
-        <mc:Fallback>
+        <mc:Fallback xmlns="">
           <p:sp>
             <p:nvSpPr>
               <p:cNvPr id="9" name="テキスト ボックス 8">
@@ -8120,8 +8127,8 @@
           </p:sp>
         </mc:Fallback>
       </mc:AlternateContent>
-      <mc:AlternateContent xmlns:mc="http://schemas.openxmlformats.org/markup-compatibility/2006">
-        <mc:Choice xmlns:a14="http://schemas.microsoft.com/office/drawing/2010/main" Requires="a14">
+      <mc:AlternateContent xmlns:mc="http://schemas.openxmlformats.org/markup-compatibility/2006" xmlns:a14="http://schemas.microsoft.com/office/drawing/2010/main">
+        <mc:Choice Requires="a14">
           <p:sp>
             <p:nvSpPr>
               <p:cNvPr id="10" name="テキスト ボックス 9">
@@ -8150,6 +8157,7 @@
               </a:bodyPr>
               <a:lstStyle/>
               <a:p>
+                <a:pPr/>
                 <a14:m>
                   <m:oMathPara xmlns:m="http://schemas.openxmlformats.org/officeDocument/2006/math">
                     <m:oMathParaPr>
@@ -8553,7 +8561,7 @@
             </p:txBody>
           </p:sp>
         </mc:Choice>
-        <mc:Fallback>
+        <mc:Fallback xmlns="">
           <p:sp>
             <p:nvSpPr>
               <p:cNvPr id="10" name="テキスト ボックス 9">
@@ -8598,8 +8606,8 @@
           </p:sp>
         </mc:Fallback>
       </mc:AlternateContent>
-      <mc:AlternateContent xmlns:mc="http://schemas.openxmlformats.org/markup-compatibility/2006">
-        <mc:Choice xmlns:a14="http://schemas.microsoft.com/office/drawing/2010/main" Requires="a14">
+      <mc:AlternateContent xmlns:mc="http://schemas.openxmlformats.org/markup-compatibility/2006" xmlns:a14="http://schemas.microsoft.com/office/drawing/2010/main">
+        <mc:Choice Requires="a14">
           <p:sp>
             <p:nvSpPr>
               <p:cNvPr id="11" name="テキスト ボックス 10">
@@ -8628,6 +8636,7 @@
               </a:bodyPr>
               <a:lstStyle/>
               <a:p>
+                <a:pPr/>
                 <a14:m>
                   <m:oMathPara xmlns:m="http://schemas.openxmlformats.org/officeDocument/2006/math">
                     <m:oMathParaPr>
@@ -8874,7 +8883,7 @@
             </p:txBody>
           </p:sp>
         </mc:Choice>
-        <mc:Fallback>
+        <mc:Fallback xmlns="">
           <p:sp>
             <p:nvSpPr>
               <p:cNvPr id="11" name="テキスト ボックス 10">
@@ -8919,8 +8928,8 @@
           </p:sp>
         </mc:Fallback>
       </mc:AlternateContent>
-      <mc:AlternateContent xmlns:mc="http://schemas.openxmlformats.org/markup-compatibility/2006">
-        <mc:Choice xmlns:a14="http://schemas.microsoft.com/office/drawing/2010/main" Requires="a14">
+      <mc:AlternateContent xmlns:mc="http://schemas.openxmlformats.org/markup-compatibility/2006" xmlns:a14="http://schemas.microsoft.com/office/drawing/2010/main">
+        <mc:Choice Requires="a14">
           <p:sp>
             <p:nvSpPr>
               <p:cNvPr id="12" name="テキスト ボックス 11">
@@ -8949,6 +8958,7 @@
               </a:bodyPr>
               <a:lstStyle/>
               <a:p>
+                <a:pPr/>
                 <a14:m>
                   <m:oMathPara xmlns:m="http://schemas.openxmlformats.org/officeDocument/2006/math">
                     <m:oMathParaPr>
@@ -9184,7 +9194,7 @@
             </p:txBody>
           </p:sp>
         </mc:Choice>
-        <mc:Fallback>
+        <mc:Fallback xmlns="">
           <p:sp>
             <p:nvSpPr>
               <p:cNvPr id="12" name="テキスト ボックス 11">
@@ -9275,8 +9285,8 @@
           </a:fontRef>
         </p:style>
       </p:cxnSp>
-      <mc:AlternateContent xmlns:mc="http://schemas.openxmlformats.org/markup-compatibility/2006">
-        <mc:Choice xmlns:a14="http://schemas.microsoft.com/office/drawing/2010/main" Requires="a14">
+      <mc:AlternateContent xmlns:mc="http://schemas.openxmlformats.org/markup-compatibility/2006" xmlns:a14="http://schemas.microsoft.com/office/drawing/2010/main">
+        <mc:Choice Requires="a14">
           <p:sp>
             <p:nvSpPr>
               <p:cNvPr id="16" name="テキスト ボックス 15">
@@ -9305,6 +9315,7 @@
               </a:bodyPr>
               <a:lstStyle/>
               <a:p>
+                <a:pPr/>
                 <a14:m>
                   <m:oMathPara xmlns:m="http://schemas.openxmlformats.org/officeDocument/2006/math">
                     <m:oMathParaPr>
@@ -9356,7 +9367,7 @@
             </p:txBody>
           </p:sp>
         </mc:Choice>
-        <mc:Fallback>
+        <mc:Fallback xmlns="">
           <p:sp>
             <p:nvSpPr>
               <p:cNvPr id="16" name="テキスト ボックス 15">
@@ -9443,8 +9454,8 @@
           </a:fontRef>
         </p:style>
       </p:cxnSp>
-      <mc:AlternateContent xmlns:mc="http://schemas.openxmlformats.org/markup-compatibility/2006">
-        <mc:Choice xmlns:a14="http://schemas.microsoft.com/office/drawing/2010/main" Requires="a14">
+      <mc:AlternateContent xmlns:mc="http://schemas.openxmlformats.org/markup-compatibility/2006" xmlns:a14="http://schemas.microsoft.com/office/drawing/2010/main">
+        <mc:Choice Requires="a14">
           <p:sp>
             <p:nvSpPr>
               <p:cNvPr id="19" name="テキスト ボックス 18">
@@ -9473,6 +9484,7 @@
               </a:bodyPr>
               <a:lstStyle/>
               <a:p>
+                <a:pPr/>
                 <a14:m>
                   <m:oMathPara xmlns:m="http://schemas.openxmlformats.org/officeDocument/2006/math">
                     <m:oMathParaPr>
@@ -9493,7 +9505,7 @@
             </p:txBody>
           </p:sp>
         </mc:Choice>
-        <mc:Fallback>
+        <mc:Fallback xmlns="">
           <p:sp>
             <p:nvSpPr>
               <p:cNvPr id="19" name="テキスト ボックス 18">
@@ -10030,8 +10042,8 @@
           </a:fontRef>
         </p:style>
       </p:cxnSp>
-      <mc:AlternateContent xmlns:mc="http://schemas.openxmlformats.org/markup-compatibility/2006">
-        <mc:Choice xmlns:a14="http://schemas.microsoft.com/office/drawing/2010/main" Requires="a14">
+      <mc:AlternateContent xmlns:mc="http://schemas.openxmlformats.org/markup-compatibility/2006" xmlns:a14="http://schemas.microsoft.com/office/drawing/2010/main">
+        <mc:Choice Requires="a14">
           <p:sp>
             <p:nvSpPr>
               <p:cNvPr id="37" name="テキスト ボックス 36">
@@ -10060,6 +10072,7 @@
               </a:bodyPr>
               <a:lstStyle/>
               <a:p>
+                <a:pPr/>
                 <a14:m>
                   <m:oMathPara xmlns:m="http://schemas.openxmlformats.org/officeDocument/2006/math">
                     <m:oMathParaPr>
@@ -10111,7 +10124,7 @@
             </p:txBody>
           </p:sp>
         </mc:Choice>
-        <mc:Fallback>
+        <mc:Fallback xmlns="">
           <p:sp>
             <p:nvSpPr>
               <p:cNvPr id="37" name="テキスト ボックス 36">
@@ -10156,8 +10169,8 @@
           </p:sp>
         </mc:Fallback>
       </mc:AlternateContent>
-      <mc:AlternateContent xmlns:mc="http://schemas.openxmlformats.org/markup-compatibility/2006">
-        <mc:Choice xmlns:a14="http://schemas.microsoft.com/office/drawing/2010/main" Requires="a14">
+      <mc:AlternateContent xmlns:mc="http://schemas.openxmlformats.org/markup-compatibility/2006" xmlns:a14="http://schemas.microsoft.com/office/drawing/2010/main">
+        <mc:Choice Requires="a14">
           <p:sp>
             <p:nvSpPr>
               <p:cNvPr id="38" name="テキスト ボックス 37">
@@ -10186,6 +10199,7 @@
               </a:bodyPr>
               <a:lstStyle/>
               <a:p>
+                <a:pPr/>
                 <a14:m>
                   <m:oMathPara xmlns:m="http://schemas.openxmlformats.org/officeDocument/2006/math">
                     <m:oMathParaPr>
@@ -10206,7 +10220,7 @@
             </p:txBody>
           </p:sp>
         </mc:Choice>
-        <mc:Fallback>
+        <mc:Fallback xmlns="">
           <p:sp>
             <p:nvSpPr>
               <p:cNvPr id="38" name="テキスト ボックス 37">
@@ -10251,8 +10265,8 @@
           </p:sp>
         </mc:Fallback>
       </mc:AlternateContent>
-      <mc:AlternateContent xmlns:mc="http://schemas.openxmlformats.org/markup-compatibility/2006">
-        <mc:Choice xmlns:a14="http://schemas.microsoft.com/office/drawing/2010/main" Requires="a14">
+      <mc:AlternateContent xmlns:mc="http://schemas.openxmlformats.org/markup-compatibility/2006" xmlns:a14="http://schemas.microsoft.com/office/drawing/2010/main">
+        <mc:Choice Requires="a14">
           <p:sp>
             <p:nvSpPr>
               <p:cNvPr id="39" name="テキスト ボックス 38">
@@ -10281,6 +10295,7 @@
               </a:bodyPr>
               <a:lstStyle/>
               <a:p>
+                <a:pPr/>
                 <a14:m>
                   <m:oMathPara xmlns:m="http://schemas.openxmlformats.org/officeDocument/2006/math">
                     <m:oMathParaPr>
@@ -10301,7 +10316,7 @@
             </p:txBody>
           </p:sp>
         </mc:Choice>
-        <mc:Fallback>
+        <mc:Fallback xmlns="">
           <p:sp>
             <p:nvSpPr>
               <p:cNvPr id="39" name="テキスト ボックス 38">
@@ -10346,8 +10361,8 @@
           </p:sp>
         </mc:Fallback>
       </mc:AlternateContent>
-      <mc:AlternateContent xmlns:mc="http://schemas.openxmlformats.org/markup-compatibility/2006">
-        <mc:Choice xmlns:a14="http://schemas.microsoft.com/office/drawing/2010/main" Requires="a14">
+      <mc:AlternateContent xmlns:mc="http://schemas.openxmlformats.org/markup-compatibility/2006" xmlns:a14="http://schemas.microsoft.com/office/drawing/2010/main">
+        <mc:Choice Requires="a14">
           <p:sp>
             <p:nvSpPr>
               <p:cNvPr id="40" name="テキスト ボックス 39">
@@ -10376,6 +10391,7 @@
               </a:bodyPr>
               <a:lstStyle/>
               <a:p>
+                <a:pPr/>
                 <a14:m>
                   <m:oMathPara xmlns:m="http://schemas.openxmlformats.org/officeDocument/2006/math">
                     <m:oMathParaPr>
@@ -10415,7 +10431,7 @@
             </p:txBody>
           </p:sp>
         </mc:Choice>
-        <mc:Fallback>
+        <mc:Fallback xmlns="">
           <p:sp>
             <p:nvSpPr>
               <p:cNvPr id="40" name="テキスト ボックス 39">
@@ -10508,8 +10524,8 @@
           </a:fontRef>
         </p:style>
       </p:cxnSp>
-      <mc:AlternateContent xmlns:mc="http://schemas.openxmlformats.org/markup-compatibility/2006">
-        <mc:Choice xmlns:a14="http://schemas.microsoft.com/office/drawing/2010/main" Requires="a14">
+      <mc:AlternateContent xmlns:mc="http://schemas.openxmlformats.org/markup-compatibility/2006" xmlns:a14="http://schemas.microsoft.com/office/drawing/2010/main">
+        <mc:Choice Requires="a14">
           <p:sp>
             <p:nvSpPr>
               <p:cNvPr id="45" name="テキスト ボックス 44">
@@ -10538,6 +10554,7 @@
               </a:bodyPr>
               <a:lstStyle/>
               <a:p>
+                <a:pPr/>
                 <a14:m>
                   <m:oMathPara xmlns:m="http://schemas.openxmlformats.org/officeDocument/2006/math">
                     <m:oMathParaPr>
@@ -10577,7 +10594,7 @@
             </p:txBody>
           </p:sp>
         </mc:Choice>
-        <mc:Fallback>
+        <mc:Fallback xmlns="">
           <p:sp>
             <p:nvSpPr>
               <p:cNvPr id="45" name="テキスト ボックス 44">
@@ -10713,8 +10730,8 @@
           </a:fontRef>
         </p:style>
       </p:cxnSp>
-      <mc:AlternateContent xmlns:mc="http://schemas.openxmlformats.org/markup-compatibility/2006">
-        <mc:Choice xmlns:a14="http://schemas.microsoft.com/office/drawing/2010/main" Requires="a14">
+      <mc:AlternateContent xmlns:mc="http://schemas.openxmlformats.org/markup-compatibility/2006" xmlns:a14="http://schemas.microsoft.com/office/drawing/2010/main">
+        <mc:Choice Requires="a14">
           <p:sp>
             <p:nvSpPr>
               <p:cNvPr id="51" name="テキスト ボックス 50">
@@ -10743,6 +10760,7 @@
               </a:bodyPr>
               <a:lstStyle/>
               <a:p>
+                <a:pPr/>
                 <a14:m>
                   <m:oMathPara xmlns:m="http://schemas.openxmlformats.org/officeDocument/2006/math">
                     <m:oMathParaPr>
@@ -11055,7 +11073,7 @@
             </p:txBody>
           </p:sp>
         </mc:Choice>
-        <mc:Fallback>
+        <mc:Fallback xmlns="">
           <p:sp>
             <p:nvSpPr>
               <p:cNvPr id="51" name="テキスト ボックス 50">
@@ -11668,8 +11686,8 @@
           </a:p>
         </p:txBody>
       </p:sp>
-      <mc:AlternateContent xmlns:mc="http://schemas.openxmlformats.org/markup-compatibility/2006">
-        <mc:Choice xmlns:a14="http://schemas.microsoft.com/office/drawing/2010/main" Requires="a14">
+      <mc:AlternateContent xmlns:mc="http://schemas.openxmlformats.org/markup-compatibility/2006" xmlns:a14="http://schemas.microsoft.com/office/drawing/2010/main">
+        <mc:Choice Requires="a14">
           <p:sp>
             <p:nvSpPr>
               <p:cNvPr id="7" name="テキスト ボックス 6">
@@ -11698,6 +11716,7 @@
               </a:bodyPr>
               <a:lstStyle/>
               <a:p>
+                <a:pPr/>
                 <a14:m>
                   <m:oMathPara xmlns:m="http://schemas.openxmlformats.org/officeDocument/2006/math">
                     <m:oMathParaPr>
@@ -11818,7 +11837,7 @@
             </p:txBody>
           </p:sp>
         </mc:Choice>
-        <mc:Fallback>
+        <mc:Fallback xmlns="">
           <p:sp>
             <p:nvSpPr>
               <p:cNvPr id="7" name="テキスト ボックス 6">
@@ -11880,7 +11899,7 @@
             <p:spPr>
               <a:xfrm>
                 <a:off x="2063552" y="1626098"/>
-                <a:ext cx="2199128" cy="586827"/>
+                <a:ext cx="1251433" cy="586827"/>
               </a:xfrm>
               <a:prstGeom prst="rect">
                 <a:avLst/>
@@ -11893,6 +11912,7 @@
               </a:bodyPr>
               <a:lstStyle/>
               <a:p>
+                <a:pPr/>
                 <a14:m>
                   <m:oMathPara xmlns:m="http://schemas.openxmlformats.org/officeDocument/2006/math">
                     <m:oMathParaPr>
@@ -12062,98 +12082,6 @@
                               </m:r>
                             </m:e>
                           </m:acc>
-                        </m:den>
-                      </m:f>
-                      <m:r>
-                        <a:rPr kumimoji="1" lang="en-US" altLang="ja-JP" b="0" i="1" smtClean="0">
-                          <a:latin typeface="Cambria Math" panose="02040503050406030204" pitchFamily="18" charset="0"/>
-                        </a:rPr>
-                        <m:t>=</m:t>
-                      </m:r>
-                      <m:f>
-                        <m:fPr>
-                          <m:ctrlPr>
-                            <a:rPr kumimoji="1" lang="en-US" altLang="ja-JP" b="0" i="1" smtClean="0">
-                              <a:latin typeface="Cambria Math" panose="02040503050406030204" pitchFamily="18" charset="0"/>
-                            </a:rPr>
-                          </m:ctrlPr>
-                        </m:fPr>
-                        <m:num>
-                          <m:r>
-                            <a:rPr kumimoji="1" lang="en-US" altLang="ja-JP" b="0" i="1" smtClean="0">
-                              <a:latin typeface="Cambria Math" panose="02040503050406030204" pitchFamily="18" charset="0"/>
-                            </a:rPr>
-                            <m:t>𝜕</m:t>
-                          </m:r>
-                          <m:r>
-                            <a:rPr kumimoji="1" lang="en-US" altLang="ja-JP" b="0" i="1" smtClean="0">
-                              <a:latin typeface="Cambria Math" panose="02040503050406030204" pitchFamily="18" charset="0"/>
-                            </a:rPr>
-                            <m:t>𝐿</m:t>
-                          </m:r>
-                        </m:num>
-                        <m:den>
-                          <m:r>
-                            <a:rPr kumimoji="1" lang="en-US" altLang="ja-JP" b="0" i="1" smtClean="0">
-                              <a:latin typeface="Cambria Math" panose="02040503050406030204" pitchFamily="18" charset="0"/>
-                            </a:rPr>
-                            <m:t>𝜕</m:t>
-                          </m:r>
-                          <m:acc>
-                            <m:accPr>
-                              <m:chr m:val="̇"/>
-                              <m:ctrlPr>
-                                <a:rPr kumimoji="1" lang="en-US" altLang="ja-JP" b="0" i="1" smtClean="0">
-                                  <a:latin typeface="Cambria Math" panose="02040503050406030204" pitchFamily="18" charset="0"/>
-                                </a:rPr>
-                              </m:ctrlPr>
-                            </m:accPr>
-                            <m:e>
-                              <m:r>
-                                <a:rPr kumimoji="1" lang="en-US" altLang="ja-JP" b="0" i="1" smtClean="0">
-                                  <a:latin typeface="Cambria Math" panose="02040503050406030204" pitchFamily="18" charset="0"/>
-                                </a:rPr>
-                                <m:t>𝑞</m:t>
-                              </m:r>
-                            </m:e>
-                          </m:acc>
-                        </m:den>
-                      </m:f>
-                      <m:f>
-                        <m:fPr>
-                          <m:ctrlPr>
-                            <a:rPr kumimoji="1" lang="en-US" altLang="ja-JP" b="0" i="1" smtClean="0">
-                              <a:latin typeface="Cambria Math" panose="02040503050406030204" pitchFamily="18" charset="0"/>
-                            </a:rPr>
-                          </m:ctrlPr>
-                        </m:fPr>
-                        <m:num>
-                          <m:r>
-                            <a:rPr kumimoji="1" lang="en-US" altLang="ja-JP" b="0" i="1" smtClean="0">
-                              <a:latin typeface="Cambria Math" panose="02040503050406030204" pitchFamily="18" charset="0"/>
-                            </a:rPr>
-                            <m:t>𝜕</m:t>
-                          </m:r>
-                          <m:r>
-                            <a:rPr kumimoji="1" lang="en-US" altLang="ja-JP" b="0" i="1" smtClean="0">
-                              <a:latin typeface="Cambria Math" panose="02040503050406030204" pitchFamily="18" charset="0"/>
-                            </a:rPr>
-                            <m:t>𝑞</m:t>
-                          </m:r>
-                        </m:num>
-                        <m:den>
-                          <m:r>
-                            <a:rPr kumimoji="1" lang="en-US" altLang="ja-JP" b="0" i="1" smtClean="0">
-                              <a:latin typeface="Cambria Math" panose="02040503050406030204" pitchFamily="18" charset="0"/>
-                            </a:rPr>
-                            <m:t>𝜕</m:t>
-                          </m:r>
-                          <m:r>
-                            <a:rPr kumimoji="1" lang="en-US" altLang="ja-JP" b="0" i="1" smtClean="0">
-                              <a:latin typeface="Cambria Math" panose="02040503050406030204" pitchFamily="18" charset="0"/>
-                            </a:rPr>
-                            <m:t>𝑄</m:t>
-                          </m:r>
                         </m:den>
                       </m:f>
                     </m:oMath>
@@ -12182,7 +12110,7 @@
             <p:spPr>
               <a:xfrm>
                 <a:off x="2063552" y="1626098"/>
-                <a:ext cx="2199128" cy="586827"/>
+                <a:ext cx="1251433" cy="586827"/>
               </a:xfrm>
               <a:prstGeom prst="rect">
                 <a:avLst/>
@@ -12209,8 +12137,8 @@
           </p:sp>
         </mc:Fallback>
       </mc:AlternateContent>
-      <mc:AlternateContent xmlns:mc="http://schemas.openxmlformats.org/markup-compatibility/2006">
-        <mc:Choice xmlns:a14="http://schemas.microsoft.com/office/drawing/2010/main" Requires="a14">
+      <mc:AlternateContent xmlns:mc="http://schemas.openxmlformats.org/markup-compatibility/2006" xmlns:a14="http://schemas.microsoft.com/office/drawing/2010/main">
+        <mc:Choice Requires="a14">
           <p:sp>
             <p:nvSpPr>
               <p:cNvPr id="9" name="テキスト ボックス 8">
@@ -12239,6 +12167,7 @@
               </a:bodyPr>
               <a:lstStyle/>
               <a:p>
+                <a:pPr/>
                 <a14:m>
                   <m:oMathPara xmlns:m="http://schemas.openxmlformats.org/officeDocument/2006/math">
                     <m:oMathParaPr>
@@ -12642,7 +12571,7 @@
             </p:txBody>
           </p:sp>
         </mc:Choice>
-        <mc:Fallback>
+        <mc:Fallback xmlns="">
           <p:sp>
             <p:nvSpPr>
               <p:cNvPr id="9" name="テキスト ボックス 8">
@@ -12687,8 +12616,8 @@
           </p:sp>
         </mc:Fallback>
       </mc:AlternateContent>
-      <mc:AlternateContent xmlns:mc="http://schemas.openxmlformats.org/markup-compatibility/2006">
-        <mc:Choice xmlns:a14="http://schemas.microsoft.com/office/drawing/2010/main" Requires="a14">
+      <mc:AlternateContent xmlns:mc="http://schemas.openxmlformats.org/markup-compatibility/2006" xmlns:a14="http://schemas.microsoft.com/office/drawing/2010/main">
+        <mc:Choice Requires="a14">
           <p:sp>
             <p:nvSpPr>
               <p:cNvPr id="10" name="テキスト ボックス 9">
@@ -12717,6 +12646,7 @@
               </a:bodyPr>
               <a:lstStyle/>
               <a:p>
+                <a:pPr/>
                 <a14:m>
                   <m:oMathPara xmlns:m="http://schemas.openxmlformats.org/officeDocument/2006/math">
                     <m:oMathParaPr>
@@ -12827,13 +12757,7 @@
                             <a:rPr kumimoji="1" lang="en-US" altLang="ja-JP" b="0" i="1" smtClean="0">
                               <a:latin typeface="Cambria Math" panose="02040503050406030204" pitchFamily="18" charset="0"/>
                             </a:rPr>
-                            <m:t>𝑑</m:t>
-                          </m:r>
-                          <m:r>
-                            <a:rPr kumimoji="1" lang="en-US" altLang="ja-JP" b="0" i="1" smtClean="0">
-                              <a:latin typeface="Cambria Math" panose="02040503050406030204" pitchFamily="18" charset="0"/>
-                            </a:rPr>
-                            <m:t>𝑞</m:t>
+                            <m:t>𝑑𝑞</m:t>
                           </m:r>
                         </m:num>
                         <m:den>
@@ -12957,7 +12881,7 @@
             </p:txBody>
           </p:sp>
         </mc:Choice>
-        <mc:Fallback>
+        <mc:Fallback xmlns="">
           <p:sp>
             <p:nvSpPr>
               <p:cNvPr id="10" name="テキスト ボックス 9">
@@ -13002,8 +12926,8 @@
           </p:sp>
         </mc:Fallback>
       </mc:AlternateContent>
-      <mc:AlternateContent xmlns:mc="http://schemas.openxmlformats.org/markup-compatibility/2006">
-        <mc:Choice xmlns:a14="http://schemas.microsoft.com/office/drawing/2010/main" Requires="a14">
+      <mc:AlternateContent xmlns:mc="http://schemas.openxmlformats.org/markup-compatibility/2006" xmlns:a14="http://schemas.microsoft.com/office/drawing/2010/main">
+        <mc:Choice Requires="a14">
           <p:sp>
             <p:nvSpPr>
               <p:cNvPr id="11" name="テキスト ボックス 10">
@@ -13032,6 +12956,7 @@
               </a:bodyPr>
               <a:lstStyle/>
               <a:p>
+                <a:pPr/>
                 <a14:m>
                   <m:oMathPara xmlns:m="http://schemas.openxmlformats.org/officeDocument/2006/math">
                     <m:oMathParaPr>
@@ -13131,13 +13056,7 @@
                             <a:rPr kumimoji="1" lang="en-US" altLang="ja-JP" b="0" i="1" smtClean="0">
                               <a:latin typeface="Cambria Math" panose="02040503050406030204" pitchFamily="18" charset="0"/>
                             </a:rPr>
-                            <m:t>𝑑</m:t>
-                          </m:r>
-                          <m:r>
-                            <a:rPr kumimoji="1" lang="en-US" altLang="ja-JP" b="0" i="1" smtClean="0">
-                              <a:latin typeface="Cambria Math" panose="02040503050406030204" pitchFamily="18" charset="0"/>
-                            </a:rPr>
-                            <m:t>𝑞</m:t>
+                            <m:t>𝑑𝑞</m:t>
                           </m:r>
                         </m:num>
                         <m:den>
@@ -13261,7 +13180,7 @@
             </p:txBody>
           </p:sp>
         </mc:Choice>
-        <mc:Fallback>
+        <mc:Fallback xmlns="">
           <p:sp>
             <p:nvSpPr>
               <p:cNvPr id="11" name="テキスト ボックス 10">
@@ -13352,8 +13271,8 @@
           </a:fontRef>
         </p:style>
       </p:cxnSp>
-      <mc:AlternateContent xmlns:mc="http://schemas.openxmlformats.org/markup-compatibility/2006">
-        <mc:Choice xmlns:a14="http://schemas.microsoft.com/office/drawing/2010/main" Requires="a14">
+      <mc:AlternateContent xmlns:mc="http://schemas.openxmlformats.org/markup-compatibility/2006" xmlns:a14="http://schemas.microsoft.com/office/drawing/2010/main">
+        <mc:Choice Requires="a14">
           <p:sp>
             <p:nvSpPr>
               <p:cNvPr id="13" name="テキスト ボックス 12">
@@ -13382,6 +13301,7 @@
               </a:bodyPr>
               <a:lstStyle/>
               <a:p>
+                <a:pPr/>
                 <a14:m>
                   <m:oMathPara xmlns:m="http://schemas.openxmlformats.org/officeDocument/2006/math">
                     <m:oMathParaPr>
@@ -13433,7 +13353,7 @@
             </p:txBody>
           </p:sp>
         </mc:Choice>
-        <mc:Fallback>
+        <mc:Fallback xmlns="">
           <p:sp>
             <p:nvSpPr>
               <p:cNvPr id="13" name="テキスト ボックス 12">
@@ -13522,8 +13442,8 @@
           </a:fontRef>
         </p:style>
       </p:cxnSp>
-      <mc:AlternateContent xmlns:mc="http://schemas.openxmlformats.org/markup-compatibility/2006">
-        <mc:Choice xmlns:a14="http://schemas.microsoft.com/office/drawing/2010/main" Requires="a14">
+      <mc:AlternateContent xmlns:mc="http://schemas.openxmlformats.org/markup-compatibility/2006" xmlns:a14="http://schemas.microsoft.com/office/drawing/2010/main">
+        <mc:Choice Requires="a14">
           <p:sp>
             <p:nvSpPr>
               <p:cNvPr id="15" name="テキスト ボックス 14">
@@ -13552,6 +13472,7 @@
               </a:bodyPr>
               <a:lstStyle/>
               <a:p>
+                <a:pPr/>
                 <a14:m>
                   <m:oMathPara xmlns:m="http://schemas.openxmlformats.org/officeDocument/2006/math">
                     <m:oMathParaPr>
@@ -13572,7 +13493,7 @@
             </p:txBody>
           </p:sp>
         </mc:Choice>
-        <mc:Fallback>
+        <mc:Fallback xmlns="">
           <p:sp>
             <p:nvSpPr>
               <p:cNvPr id="15" name="テキスト ボックス 14">
@@ -13871,8 +13792,8 @@
           </a:fontRef>
         </p:style>
       </p:cxnSp>
-      <mc:AlternateContent xmlns:mc="http://schemas.openxmlformats.org/markup-compatibility/2006">
-        <mc:Choice xmlns:a14="http://schemas.microsoft.com/office/drawing/2010/main" Requires="a14">
+      <mc:AlternateContent xmlns:mc="http://schemas.openxmlformats.org/markup-compatibility/2006" xmlns:a14="http://schemas.microsoft.com/office/drawing/2010/main">
+        <mc:Choice Requires="a14">
           <p:sp>
             <p:nvSpPr>
               <p:cNvPr id="31" name="テキスト ボックス 30">
@@ -13901,6 +13822,7 @@
               </a:bodyPr>
               <a:lstStyle/>
               <a:p>
+                <a:pPr/>
                 <a14:m>
                   <m:oMathPara xmlns:m="http://schemas.openxmlformats.org/officeDocument/2006/math">
                     <m:oMathParaPr>
@@ -13940,7 +13862,7 @@
             </p:txBody>
           </p:sp>
         </mc:Choice>
-        <mc:Fallback>
+        <mc:Fallback xmlns="">
           <p:sp>
             <p:nvSpPr>
               <p:cNvPr id="31" name="テキスト ボックス 30">
@@ -14076,8 +13998,8 @@
           </a:fontRef>
         </p:style>
       </p:cxnSp>
-      <mc:AlternateContent xmlns:mc="http://schemas.openxmlformats.org/markup-compatibility/2006">
-        <mc:Choice xmlns:a14="http://schemas.microsoft.com/office/drawing/2010/main" Requires="a14">
+      <mc:AlternateContent xmlns:mc="http://schemas.openxmlformats.org/markup-compatibility/2006" xmlns:a14="http://schemas.microsoft.com/office/drawing/2010/main">
+        <mc:Choice Requires="a14">
           <p:sp>
             <p:nvSpPr>
               <p:cNvPr id="34" name="テキスト ボックス 33">
@@ -14106,6 +14028,7 @@
               </a:bodyPr>
               <a:lstStyle/>
               <a:p>
+                <a:pPr/>
                 <a14:m>
                   <m:oMathPara xmlns:m="http://schemas.openxmlformats.org/officeDocument/2006/math">
                     <m:oMathParaPr>
@@ -14418,7 +14341,7 @@
             </p:txBody>
           </p:sp>
         </mc:Choice>
-        <mc:Fallback>
+        <mc:Fallback xmlns="">
           <p:sp>
             <p:nvSpPr>
               <p:cNvPr id="34" name="テキスト ボックス 33">
@@ -14553,8 +14476,8 @@
           </a:fontRef>
         </p:style>
       </p:cxnSp>
-      <mc:AlternateContent xmlns:mc="http://schemas.openxmlformats.org/markup-compatibility/2006">
-        <mc:Choice xmlns:a14="http://schemas.microsoft.com/office/drawing/2010/main" Requires="a14">
+      <mc:AlternateContent xmlns:mc="http://schemas.openxmlformats.org/markup-compatibility/2006" xmlns:a14="http://schemas.microsoft.com/office/drawing/2010/main">
+        <mc:Choice Requires="a14">
           <p:sp>
             <p:nvSpPr>
               <p:cNvPr id="37" name="テキスト ボックス 36">
@@ -14583,6 +14506,7 @@
               </a:bodyPr>
               <a:lstStyle/>
               <a:p>
+                <a:pPr/>
                 <a14:m>
                   <m:oMathPara xmlns:m="http://schemas.openxmlformats.org/officeDocument/2006/math">
                     <m:oMathParaPr>
@@ -14633,7 +14557,7 @@
             </p:txBody>
           </p:sp>
         </mc:Choice>
-        <mc:Fallback>
+        <mc:Fallback xmlns="">
           <p:sp>
             <p:nvSpPr>
               <p:cNvPr id="37" name="テキスト ボックス 36">
@@ -14678,8 +14602,8 @@
           </p:sp>
         </mc:Fallback>
       </mc:AlternateContent>
-      <mc:AlternateContent xmlns:mc="http://schemas.openxmlformats.org/markup-compatibility/2006">
-        <mc:Choice xmlns:a14="http://schemas.microsoft.com/office/drawing/2010/main" Requires="a14">
+      <mc:AlternateContent xmlns:mc="http://schemas.openxmlformats.org/markup-compatibility/2006" xmlns:a14="http://schemas.microsoft.com/office/drawing/2010/main">
+        <mc:Choice Requires="a14">
           <p:sp>
             <p:nvSpPr>
               <p:cNvPr id="38" name="テキスト ボックス 37">
@@ -14708,6 +14632,7 @@
               </a:bodyPr>
               <a:lstStyle/>
               <a:p>
+                <a:pPr/>
                 <a14:m>
                   <m:oMathPara xmlns:m="http://schemas.openxmlformats.org/officeDocument/2006/math">
                     <m:oMathParaPr>
@@ -14789,7 +14714,7 @@
             </p:txBody>
           </p:sp>
         </mc:Choice>
-        <mc:Fallback>
+        <mc:Fallback xmlns="">
           <p:sp>
             <p:nvSpPr>
               <p:cNvPr id="38" name="テキスト ボックス 37">
@@ -14834,8 +14759,8 @@
           </p:sp>
         </mc:Fallback>
       </mc:AlternateContent>
-      <mc:AlternateContent xmlns:mc="http://schemas.openxmlformats.org/markup-compatibility/2006">
-        <mc:Choice xmlns:a14="http://schemas.microsoft.com/office/drawing/2010/main" Requires="a14">
+      <mc:AlternateContent xmlns:mc="http://schemas.openxmlformats.org/markup-compatibility/2006" xmlns:a14="http://schemas.microsoft.com/office/drawing/2010/main">
+        <mc:Choice Requires="a14">
           <p:sp>
             <p:nvSpPr>
               <p:cNvPr id="39" name="テキスト ボックス 38">
@@ -14864,6 +14789,7 @@
               </a:bodyPr>
               <a:lstStyle/>
               <a:p>
+                <a:pPr/>
                 <a14:m>
                   <m:oMathPara xmlns:m="http://schemas.openxmlformats.org/officeDocument/2006/math">
                     <m:oMathParaPr>
@@ -14970,7 +14896,7 @@
             </p:txBody>
           </p:sp>
         </mc:Choice>
-        <mc:Fallback>
+        <mc:Fallback xmlns="">
           <p:sp>
             <p:nvSpPr>
               <p:cNvPr id="39" name="テキスト ボックス 38">
@@ -15015,8 +14941,8 @@
           </p:sp>
         </mc:Fallback>
       </mc:AlternateContent>
-      <mc:AlternateContent xmlns:mc="http://schemas.openxmlformats.org/markup-compatibility/2006">
-        <mc:Choice xmlns:a14="http://schemas.microsoft.com/office/drawing/2010/main" Requires="a14">
+      <mc:AlternateContent xmlns:mc="http://schemas.openxmlformats.org/markup-compatibility/2006" xmlns:a14="http://schemas.microsoft.com/office/drawing/2010/main">
+        <mc:Choice Requires="a14">
           <p:sp>
             <p:nvSpPr>
               <p:cNvPr id="40" name="テキスト ボックス 39">
@@ -15045,6 +14971,7 @@
               </a:bodyPr>
               <a:lstStyle/>
               <a:p>
+                <a:pPr/>
                 <a14:m>
                   <m:oMathPara xmlns:m="http://schemas.openxmlformats.org/officeDocument/2006/math">
                     <m:oMathParaPr>
@@ -15255,7 +15182,7 @@
             </p:txBody>
           </p:sp>
         </mc:Choice>
-        <mc:Fallback>
+        <mc:Fallback xmlns="">
           <p:sp>
             <p:nvSpPr>
               <p:cNvPr id="40" name="テキスト ボックス 39">
@@ -15300,8 +15227,8 @@
           </p:sp>
         </mc:Fallback>
       </mc:AlternateContent>
-      <mc:AlternateContent xmlns:mc="http://schemas.openxmlformats.org/markup-compatibility/2006">
-        <mc:Choice xmlns:a14="http://schemas.microsoft.com/office/drawing/2010/main" Requires="a14">
+      <mc:AlternateContent xmlns:mc="http://schemas.openxmlformats.org/markup-compatibility/2006" xmlns:a14="http://schemas.microsoft.com/office/drawing/2010/main">
+        <mc:Choice Requires="a14">
           <p:sp>
             <p:nvSpPr>
               <p:cNvPr id="41" name="テキスト ボックス 40">
@@ -15330,6 +15257,7 @@
               </a:bodyPr>
               <a:lstStyle/>
               <a:p>
+                <a:pPr/>
                 <a14:m>
                   <m:oMathPara xmlns:m="http://schemas.openxmlformats.org/officeDocument/2006/math">
                     <m:oMathParaPr>
@@ -15492,7 +15420,7 @@
             </p:txBody>
           </p:sp>
         </mc:Choice>
-        <mc:Fallback>
+        <mc:Fallback xmlns="">
           <p:sp>
             <p:nvSpPr>
               <p:cNvPr id="41" name="テキスト ボックス 40">
@@ -15825,8 +15753,8 @@
           </a:fontRef>
         </p:style>
       </p:cxnSp>
-      <mc:AlternateContent xmlns:mc="http://schemas.openxmlformats.org/markup-compatibility/2006">
-        <mc:Choice xmlns:a14="http://schemas.microsoft.com/office/drawing/2010/main" Requires="a14">
+      <mc:AlternateContent xmlns:mc="http://schemas.openxmlformats.org/markup-compatibility/2006" xmlns:a14="http://schemas.microsoft.com/office/drawing/2010/main">
+        <mc:Choice Requires="a14">
           <p:sp>
             <p:nvSpPr>
               <p:cNvPr id="48" name="テキスト ボックス 47">
@@ -15855,6 +15783,7 @@
               </a:bodyPr>
               <a:lstStyle/>
               <a:p>
+                <a:pPr/>
                 <a14:m>
                   <m:oMathPara xmlns:m="http://schemas.openxmlformats.org/officeDocument/2006/math">
                     <m:oMathParaPr>
@@ -15906,7 +15835,7 @@
             </p:txBody>
           </p:sp>
         </mc:Choice>
-        <mc:Fallback>
+        <mc:Fallback xmlns="">
           <p:sp>
             <p:nvSpPr>
               <p:cNvPr id="48" name="テキスト ボックス 47">
@@ -15951,8 +15880,8 @@
           </p:sp>
         </mc:Fallback>
       </mc:AlternateContent>
-      <mc:AlternateContent xmlns:mc="http://schemas.openxmlformats.org/markup-compatibility/2006">
-        <mc:Choice xmlns:a14="http://schemas.microsoft.com/office/drawing/2010/main" Requires="a14">
+      <mc:AlternateContent xmlns:mc="http://schemas.openxmlformats.org/markup-compatibility/2006" xmlns:a14="http://schemas.microsoft.com/office/drawing/2010/main">
+        <mc:Choice Requires="a14">
           <p:sp>
             <p:nvSpPr>
               <p:cNvPr id="49" name="テキスト ボックス 48">
@@ -15981,6 +15910,7 @@
               </a:bodyPr>
               <a:lstStyle/>
               <a:p>
+                <a:pPr/>
                 <a14:m>
                   <m:oMathPara xmlns:m="http://schemas.openxmlformats.org/officeDocument/2006/math">
                     <m:oMathParaPr>
@@ -16001,7 +15931,7 @@
             </p:txBody>
           </p:sp>
         </mc:Choice>
-        <mc:Fallback>
+        <mc:Fallback xmlns="">
           <p:sp>
             <p:nvSpPr>
               <p:cNvPr id="49" name="テキスト ボックス 48">
@@ -16046,8 +15976,8 @@
           </p:sp>
         </mc:Fallback>
       </mc:AlternateContent>
-      <mc:AlternateContent xmlns:mc="http://schemas.openxmlformats.org/markup-compatibility/2006">
-        <mc:Choice xmlns:a14="http://schemas.microsoft.com/office/drawing/2010/main" Requires="a14">
+      <mc:AlternateContent xmlns:mc="http://schemas.openxmlformats.org/markup-compatibility/2006" xmlns:a14="http://schemas.microsoft.com/office/drawing/2010/main">
+        <mc:Choice Requires="a14">
           <p:sp>
             <p:nvSpPr>
               <p:cNvPr id="50" name="テキスト ボックス 49">
@@ -16076,6 +16006,7 @@
               </a:bodyPr>
               <a:lstStyle/>
               <a:p>
+                <a:pPr/>
                 <a14:m>
                   <m:oMathPara xmlns:m="http://schemas.openxmlformats.org/officeDocument/2006/math">
                     <m:oMathParaPr>
@@ -16096,7 +16027,7 @@
             </p:txBody>
           </p:sp>
         </mc:Choice>
-        <mc:Fallback>
+        <mc:Fallback xmlns="">
           <p:sp>
             <p:nvSpPr>
               <p:cNvPr id="50" name="テキスト ボックス 49">
@@ -16141,8 +16072,8 @@
           </p:sp>
         </mc:Fallback>
       </mc:AlternateContent>
-      <mc:AlternateContent xmlns:mc="http://schemas.openxmlformats.org/markup-compatibility/2006">
-        <mc:Choice xmlns:a14="http://schemas.microsoft.com/office/drawing/2010/main" Requires="a14">
+      <mc:AlternateContent xmlns:mc="http://schemas.openxmlformats.org/markup-compatibility/2006" xmlns:a14="http://schemas.microsoft.com/office/drawing/2010/main">
+        <mc:Choice Requires="a14">
           <p:sp>
             <p:nvSpPr>
               <p:cNvPr id="51" name="テキスト ボックス 50">
@@ -16171,6 +16102,7 @@
               </a:bodyPr>
               <a:lstStyle/>
               <a:p>
+                <a:pPr/>
                 <a14:m>
                   <m:oMathPara xmlns:m="http://schemas.openxmlformats.org/officeDocument/2006/math">
                     <m:oMathParaPr>
@@ -16210,7 +16142,7 @@
             </p:txBody>
           </p:sp>
         </mc:Choice>
-        <mc:Fallback>
+        <mc:Fallback xmlns="">
           <p:sp>
             <p:nvSpPr>
               <p:cNvPr id="51" name="テキスト ボックス 50">

--- a/lagrangian/fig/fig.pptx
+++ b/lagrangian/fig/fig.pptx
@@ -7,8 +7,9 @@
   <p:sldIdLst>
     <p:sldId id="256" r:id="rId2"/>
     <p:sldId id="257" r:id="rId3"/>
-    <p:sldId id="258" r:id="rId4"/>
-    <p:sldId id="259" r:id="rId5"/>
+    <p:sldId id="260" r:id="rId4"/>
+    <p:sldId id="258" r:id="rId5"/>
+    <p:sldId id="259" r:id="rId6"/>
   </p:sldIdLst>
   <p:sldSz cx="12192000" cy="6858000"/>
   <p:notesSz cx="6858000" cy="9144000"/>
@@ -6595,6 +6596,1724 @@
           <a:chExt cx="0" cy="0"/>
         </a:xfrm>
       </p:grpSpPr>
+      <p:cxnSp>
+        <p:nvCxnSpPr>
+          <p:cNvPr id="3" name="直線矢印コネクタ 2">
+            <a:extLst>
+              <a:ext uri="{FF2B5EF4-FFF2-40B4-BE49-F238E27FC236}">
+                <a16:creationId xmlns:a16="http://schemas.microsoft.com/office/drawing/2014/main" id="{1EECC7F8-49C1-52B4-DC17-117BE8212961}"/>
+              </a:ext>
+            </a:extLst>
+          </p:cNvPr>
+          <p:cNvCxnSpPr>
+            <a:cxnSpLocks/>
+          </p:cNvCxnSpPr>
+          <p:nvPr/>
+        </p:nvCxnSpPr>
+        <p:spPr>
+          <a:xfrm flipV="1">
+            <a:off x="2639616" y="764704"/>
+            <a:ext cx="0" cy="3672408"/>
+          </a:xfrm>
+          <a:prstGeom prst="straightConnector1">
+            <a:avLst/>
+          </a:prstGeom>
+          <a:ln>
+            <a:solidFill>
+              <a:schemeClr val="tx1"/>
+            </a:solidFill>
+            <a:tailEnd type="triangle"/>
+          </a:ln>
+        </p:spPr>
+        <p:style>
+          <a:lnRef idx="1">
+            <a:schemeClr val="accent1"/>
+          </a:lnRef>
+          <a:fillRef idx="0">
+            <a:schemeClr val="accent1"/>
+          </a:fillRef>
+          <a:effectRef idx="0">
+            <a:schemeClr val="accent1"/>
+          </a:effectRef>
+          <a:fontRef idx="minor">
+            <a:schemeClr val="tx1"/>
+          </a:fontRef>
+        </p:style>
+      </p:cxnSp>
+      <p:cxnSp>
+        <p:nvCxnSpPr>
+          <p:cNvPr id="6" name="直線矢印コネクタ 5">
+            <a:extLst>
+              <a:ext uri="{FF2B5EF4-FFF2-40B4-BE49-F238E27FC236}">
+                <a16:creationId xmlns:a16="http://schemas.microsoft.com/office/drawing/2014/main" id="{4FC321E4-6CF1-ED28-1A2F-1496A3FD6B8D}"/>
+              </a:ext>
+            </a:extLst>
+          </p:cNvPr>
+          <p:cNvCxnSpPr/>
+          <p:nvPr/>
+        </p:nvCxnSpPr>
+        <p:spPr>
+          <a:xfrm>
+            <a:off x="1919536" y="4005064"/>
+            <a:ext cx="4896544" cy="0"/>
+          </a:xfrm>
+          <a:prstGeom prst="straightConnector1">
+            <a:avLst/>
+          </a:prstGeom>
+          <a:ln>
+            <a:solidFill>
+              <a:schemeClr val="tx1"/>
+            </a:solidFill>
+            <a:tailEnd type="triangle"/>
+          </a:ln>
+        </p:spPr>
+        <p:style>
+          <a:lnRef idx="1">
+            <a:schemeClr val="accent1"/>
+          </a:lnRef>
+          <a:fillRef idx="0">
+            <a:schemeClr val="accent1"/>
+          </a:fillRef>
+          <a:effectRef idx="0">
+            <a:schemeClr val="accent1"/>
+          </a:effectRef>
+          <a:fontRef idx="minor">
+            <a:schemeClr val="tx1"/>
+          </a:fontRef>
+        </p:style>
+      </p:cxnSp>
+      <p:cxnSp>
+        <p:nvCxnSpPr>
+          <p:cNvPr id="8" name="直線矢印コネクタ 7">
+            <a:extLst>
+              <a:ext uri="{FF2B5EF4-FFF2-40B4-BE49-F238E27FC236}">
+                <a16:creationId xmlns:a16="http://schemas.microsoft.com/office/drawing/2014/main" id="{ABD12A4B-8524-E957-FD90-33524D5C910F}"/>
+              </a:ext>
+            </a:extLst>
+          </p:cNvPr>
+          <p:cNvCxnSpPr/>
+          <p:nvPr/>
+        </p:nvCxnSpPr>
+        <p:spPr>
+          <a:xfrm flipV="1">
+            <a:off x="2639616" y="1988840"/>
+            <a:ext cx="2808312" cy="2016224"/>
+          </a:xfrm>
+          <a:prstGeom prst="straightConnector1">
+            <a:avLst/>
+          </a:prstGeom>
+          <a:ln>
+            <a:solidFill>
+              <a:schemeClr val="tx1"/>
+            </a:solidFill>
+            <a:tailEnd type="triangle"/>
+          </a:ln>
+        </p:spPr>
+        <p:style>
+          <a:lnRef idx="1">
+            <a:schemeClr val="accent1"/>
+          </a:lnRef>
+          <a:fillRef idx="0">
+            <a:schemeClr val="accent1"/>
+          </a:fillRef>
+          <a:effectRef idx="0">
+            <a:schemeClr val="accent1"/>
+          </a:effectRef>
+          <a:fontRef idx="minor">
+            <a:schemeClr val="tx1"/>
+          </a:fontRef>
+        </p:style>
+      </p:cxnSp>
+      <p:cxnSp>
+        <p:nvCxnSpPr>
+          <p:cNvPr id="10" name="直線矢印コネクタ 9">
+            <a:extLst>
+              <a:ext uri="{FF2B5EF4-FFF2-40B4-BE49-F238E27FC236}">
+                <a16:creationId xmlns:a16="http://schemas.microsoft.com/office/drawing/2014/main" id="{1A89840F-2613-3779-6241-101DDE9AF7FE}"/>
+              </a:ext>
+            </a:extLst>
+          </p:cNvPr>
+          <p:cNvCxnSpPr>
+            <a:cxnSpLocks/>
+          </p:cNvCxnSpPr>
+          <p:nvPr/>
+        </p:nvCxnSpPr>
+        <p:spPr>
+          <a:xfrm flipV="1">
+            <a:off x="5447928" y="1556792"/>
+            <a:ext cx="648072" cy="432048"/>
+          </a:xfrm>
+          <a:prstGeom prst="straightConnector1">
+            <a:avLst/>
+          </a:prstGeom>
+          <a:ln w="28575">
+            <a:solidFill>
+              <a:srgbClr val="0070C0"/>
+            </a:solidFill>
+            <a:tailEnd type="triangle"/>
+          </a:ln>
+        </p:spPr>
+        <p:style>
+          <a:lnRef idx="1">
+            <a:schemeClr val="accent1"/>
+          </a:lnRef>
+          <a:fillRef idx="0">
+            <a:schemeClr val="accent1"/>
+          </a:fillRef>
+          <a:effectRef idx="0">
+            <a:schemeClr val="accent1"/>
+          </a:effectRef>
+          <a:fontRef idx="minor">
+            <a:schemeClr val="tx1"/>
+          </a:fontRef>
+        </p:style>
+      </p:cxnSp>
+      <p:cxnSp>
+        <p:nvCxnSpPr>
+          <p:cNvPr id="12" name="直線矢印コネクタ 11">
+            <a:extLst>
+              <a:ext uri="{FF2B5EF4-FFF2-40B4-BE49-F238E27FC236}">
+                <a16:creationId xmlns:a16="http://schemas.microsoft.com/office/drawing/2014/main" id="{56AE7F33-E475-790D-BEB1-E1CFD6E2DE00}"/>
+              </a:ext>
+            </a:extLst>
+          </p:cNvPr>
+          <p:cNvCxnSpPr>
+            <a:cxnSpLocks/>
+          </p:cNvCxnSpPr>
+          <p:nvPr/>
+        </p:nvCxnSpPr>
+        <p:spPr>
+          <a:xfrm flipH="1" flipV="1">
+            <a:off x="5015880" y="1412776"/>
+            <a:ext cx="432048" cy="576064"/>
+          </a:xfrm>
+          <a:prstGeom prst="straightConnector1">
+            <a:avLst/>
+          </a:prstGeom>
+          <a:ln w="28575">
+            <a:solidFill>
+              <a:srgbClr val="0070C0"/>
+            </a:solidFill>
+            <a:tailEnd type="triangle"/>
+          </a:ln>
+        </p:spPr>
+        <p:style>
+          <a:lnRef idx="1">
+            <a:schemeClr val="accent1"/>
+          </a:lnRef>
+          <a:fillRef idx="0">
+            <a:schemeClr val="accent1"/>
+          </a:fillRef>
+          <a:effectRef idx="0">
+            <a:schemeClr val="accent1"/>
+          </a:effectRef>
+          <a:fontRef idx="minor">
+            <a:schemeClr val="tx1"/>
+          </a:fontRef>
+        </p:style>
+      </p:cxnSp>
+      <p:cxnSp>
+        <p:nvCxnSpPr>
+          <p:cNvPr id="15" name="直線矢印コネクタ 14">
+            <a:extLst>
+              <a:ext uri="{FF2B5EF4-FFF2-40B4-BE49-F238E27FC236}">
+                <a16:creationId xmlns:a16="http://schemas.microsoft.com/office/drawing/2014/main" id="{8F31DF1A-8FD4-CE6C-237C-C8592BF53A04}"/>
+              </a:ext>
+            </a:extLst>
+          </p:cNvPr>
+          <p:cNvCxnSpPr>
+            <a:cxnSpLocks/>
+          </p:cNvCxnSpPr>
+          <p:nvPr/>
+        </p:nvCxnSpPr>
+        <p:spPr>
+          <a:xfrm>
+            <a:off x="5447928" y="1988840"/>
+            <a:ext cx="792088" cy="0"/>
+          </a:xfrm>
+          <a:prstGeom prst="straightConnector1">
+            <a:avLst/>
+          </a:prstGeom>
+          <a:ln w="19050">
+            <a:solidFill>
+              <a:srgbClr val="FF0000"/>
+            </a:solidFill>
+            <a:tailEnd type="triangle"/>
+          </a:ln>
+        </p:spPr>
+        <p:style>
+          <a:lnRef idx="1">
+            <a:schemeClr val="accent1"/>
+          </a:lnRef>
+          <a:fillRef idx="0">
+            <a:schemeClr val="accent1"/>
+          </a:fillRef>
+          <a:effectRef idx="0">
+            <a:schemeClr val="accent1"/>
+          </a:effectRef>
+          <a:fontRef idx="minor">
+            <a:schemeClr val="tx1"/>
+          </a:fontRef>
+        </p:style>
+      </p:cxnSp>
+      <p:cxnSp>
+        <p:nvCxnSpPr>
+          <p:cNvPr id="18" name="直線矢印コネクタ 17">
+            <a:extLst>
+              <a:ext uri="{FF2B5EF4-FFF2-40B4-BE49-F238E27FC236}">
+                <a16:creationId xmlns:a16="http://schemas.microsoft.com/office/drawing/2014/main" id="{475DC45D-BE47-BE07-713D-2813ABBCF441}"/>
+              </a:ext>
+            </a:extLst>
+          </p:cNvPr>
+          <p:cNvCxnSpPr>
+            <a:cxnSpLocks/>
+          </p:cNvCxnSpPr>
+          <p:nvPr/>
+        </p:nvCxnSpPr>
+        <p:spPr>
+          <a:xfrm flipV="1">
+            <a:off x="5447928" y="1196752"/>
+            <a:ext cx="0" cy="792088"/>
+          </a:xfrm>
+          <a:prstGeom prst="straightConnector1">
+            <a:avLst/>
+          </a:prstGeom>
+          <a:ln w="19050">
+            <a:solidFill>
+              <a:srgbClr val="FF0000"/>
+            </a:solidFill>
+            <a:tailEnd type="triangle"/>
+          </a:ln>
+        </p:spPr>
+        <p:style>
+          <a:lnRef idx="1">
+            <a:schemeClr val="accent1"/>
+          </a:lnRef>
+          <a:fillRef idx="0">
+            <a:schemeClr val="accent1"/>
+          </a:fillRef>
+          <a:effectRef idx="0">
+            <a:schemeClr val="accent1"/>
+          </a:effectRef>
+          <a:fontRef idx="minor">
+            <a:schemeClr val="tx1"/>
+          </a:fontRef>
+        </p:style>
+      </p:cxnSp>
+      <p:sp>
+        <p:nvSpPr>
+          <p:cNvPr id="22" name="円弧 21">
+            <a:extLst>
+              <a:ext uri="{FF2B5EF4-FFF2-40B4-BE49-F238E27FC236}">
+                <a16:creationId xmlns:a16="http://schemas.microsoft.com/office/drawing/2014/main" id="{C9BC4960-467C-79BD-BE0F-CB92C7BE1B97}"/>
+              </a:ext>
+            </a:extLst>
+          </p:cNvPr>
+          <p:cNvSpPr/>
+          <p:nvPr/>
+        </p:nvSpPr>
+        <p:spPr>
+          <a:xfrm>
+            <a:off x="2835730" y="3717032"/>
+            <a:ext cx="379936" cy="576061"/>
+          </a:xfrm>
+          <a:prstGeom prst="arc">
+            <a:avLst/>
+          </a:prstGeom>
+          <a:ln>
+            <a:solidFill>
+              <a:schemeClr val="tx1"/>
+            </a:solidFill>
+            <a:headEnd type="none" w="med" len="med"/>
+            <a:tailEnd type="none" w="med" len="med"/>
+          </a:ln>
+        </p:spPr>
+        <p:style>
+          <a:lnRef idx="1">
+            <a:schemeClr val="accent1"/>
+          </a:lnRef>
+          <a:fillRef idx="0">
+            <a:schemeClr val="accent1"/>
+          </a:fillRef>
+          <a:effectRef idx="0">
+            <a:schemeClr val="accent1"/>
+          </a:effectRef>
+          <a:fontRef idx="minor">
+            <a:schemeClr val="tx1"/>
+          </a:fontRef>
+        </p:style>
+        <p:txBody>
+          <a:bodyPr rtlCol="0" anchor="ctr"/>
+          <a:lstStyle/>
+          <a:p>
+            <a:pPr algn="ctr"/>
+            <a:endParaRPr kumimoji="1" lang="ja-JP" altLang="en-US"/>
+          </a:p>
+        </p:txBody>
+      </p:sp>
+      <mc:AlternateContent xmlns:mc="http://schemas.openxmlformats.org/markup-compatibility/2006">
+        <mc:Choice xmlns:a14="http://schemas.microsoft.com/office/drawing/2010/main" Requires="a14">
+          <p:sp>
+            <p:nvSpPr>
+              <p:cNvPr id="23" name="テキスト ボックス 22">
+                <a:extLst>
+                  <a:ext uri="{FF2B5EF4-FFF2-40B4-BE49-F238E27FC236}">
+                    <a16:creationId xmlns:a16="http://schemas.microsoft.com/office/drawing/2014/main" id="{39FB2049-B5DE-520E-51A2-3D2AD053904E}"/>
+                  </a:ext>
+                </a:extLst>
+              </p:cNvPr>
+              <p:cNvSpPr txBox="1"/>
+              <p:nvPr/>
+            </p:nvSpPr>
+            <p:spPr>
+              <a:xfrm>
+                <a:off x="3245699" y="3650542"/>
+                <a:ext cx="189474" cy="276999"/>
+              </a:xfrm>
+              <a:prstGeom prst="rect">
+                <a:avLst/>
+              </a:prstGeom>
+              <a:noFill/>
+            </p:spPr>
+            <p:txBody>
+              <a:bodyPr wrap="none" lIns="0" tIns="0" rIns="0" bIns="0" rtlCol="0">
+                <a:spAutoFit/>
+              </a:bodyPr>
+              <a:lstStyle/>
+              <a:p>
+                <a14:m>
+                  <m:oMathPara xmlns:m="http://schemas.openxmlformats.org/officeDocument/2006/math">
+                    <m:oMathParaPr>
+                      <m:jc m:val="centerGroup"/>
+                    </m:oMathParaPr>
+                    <m:oMath xmlns:m="http://schemas.openxmlformats.org/officeDocument/2006/math">
+                      <m:r>
+                        <a:rPr kumimoji="1" lang="en-US" altLang="ja-JP" b="0" i="1" smtClean="0">
+                          <a:latin typeface="Cambria Math" panose="02040503050406030204" pitchFamily="18" charset="0"/>
+                        </a:rPr>
+                        <m:t>𝜃</m:t>
+                      </m:r>
+                    </m:oMath>
+                  </m:oMathPara>
+                </a14:m>
+                <a:endParaRPr kumimoji="1" lang="en-US" altLang="ja-JP" b="0" dirty="0"/>
+              </a:p>
+            </p:txBody>
+          </p:sp>
+        </mc:Choice>
+        <mc:Fallback>
+          <p:sp>
+            <p:nvSpPr>
+              <p:cNvPr id="23" name="テキスト ボックス 22">
+                <a:extLst>
+                  <a:ext uri="{FF2B5EF4-FFF2-40B4-BE49-F238E27FC236}">
+                    <a16:creationId xmlns:a16="http://schemas.microsoft.com/office/drawing/2014/main" id="{39FB2049-B5DE-520E-51A2-3D2AD053904E}"/>
+                  </a:ext>
+                </a:extLst>
+              </p:cNvPr>
+              <p:cNvSpPr txBox="1">
+                <a:spLocks noRot="1" noChangeAspect="1" noMove="1" noResize="1" noEditPoints="1" noAdjustHandles="1" noChangeArrowheads="1" noChangeShapeType="1" noTextEdit="1"/>
+              </p:cNvSpPr>
+              <p:nvPr/>
+            </p:nvSpPr>
+            <p:spPr>
+              <a:xfrm>
+                <a:off x="3245699" y="3650542"/>
+                <a:ext cx="189474" cy="276999"/>
+              </a:xfrm>
+              <a:prstGeom prst="rect">
+                <a:avLst/>
+              </a:prstGeom>
+              <a:blipFill>
+                <a:blip r:embed="rId2"/>
+                <a:stretch>
+                  <a:fillRect l="-25000" r="-25000" b="-4348"/>
+                </a:stretch>
+              </a:blipFill>
+            </p:spPr>
+            <p:txBody>
+              <a:bodyPr/>
+              <a:lstStyle/>
+              <a:p>
+                <a:r>
+                  <a:rPr lang="ja-JP" altLang="en-US">
+                    <a:noFill/>
+                  </a:rPr>
+                  <a:t> </a:t>
+                </a:r>
+              </a:p>
+            </p:txBody>
+          </p:sp>
+        </mc:Fallback>
+      </mc:AlternateContent>
+      <mc:AlternateContent xmlns:mc="http://schemas.openxmlformats.org/markup-compatibility/2006">
+        <mc:Choice xmlns:a14="http://schemas.microsoft.com/office/drawing/2010/main" Requires="a14">
+          <p:sp>
+            <p:nvSpPr>
+              <p:cNvPr id="24" name="テキスト ボックス 23">
+                <a:extLst>
+                  <a:ext uri="{FF2B5EF4-FFF2-40B4-BE49-F238E27FC236}">
+                    <a16:creationId xmlns:a16="http://schemas.microsoft.com/office/drawing/2014/main" id="{46686FD3-ED3E-A9B0-0884-86DCE5C0C92F}"/>
+                  </a:ext>
+                </a:extLst>
+              </p:cNvPr>
+              <p:cNvSpPr txBox="1"/>
+              <p:nvPr/>
+            </p:nvSpPr>
+            <p:spPr>
+              <a:xfrm>
+                <a:off x="6301735" y="1850340"/>
+                <a:ext cx="262316" cy="276999"/>
+              </a:xfrm>
+              <a:prstGeom prst="rect">
+                <a:avLst/>
+              </a:prstGeom>
+              <a:noFill/>
+            </p:spPr>
+            <p:txBody>
+              <a:bodyPr wrap="none" lIns="0" tIns="0" rIns="0" bIns="0" rtlCol="0">
+                <a:spAutoFit/>
+              </a:bodyPr>
+              <a:lstStyle/>
+              <a:p>
+                <a14:m>
+                  <m:oMathPara xmlns:m="http://schemas.openxmlformats.org/officeDocument/2006/math">
+                    <m:oMathParaPr>
+                      <m:jc m:val="centerGroup"/>
+                    </m:oMathParaPr>
+                    <m:oMath xmlns:m="http://schemas.openxmlformats.org/officeDocument/2006/math">
+                      <m:sSub>
+                        <m:sSubPr>
+                          <m:ctrlPr>
+                            <a:rPr kumimoji="1" lang="en-US" altLang="ja-JP" b="0" i="1" smtClean="0">
+                              <a:solidFill>
+                                <a:srgbClr val="FF0000"/>
+                              </a:solidFill>
+                              <a:latin typeface="Cambria Math" panose="02040503050406030204" pitchFamily="18" charset="0"/>
+                            </a:rPr>
+                          </m:ctrlPr>
+                        </m:sSubPr>
+                        <m:e>
+                          <m:r>
+                            <a:rPr kumimoji="1" lang="en-US" altLang="ja-JP" b="0" i="1" smtClean="0">
+                              <a:solidFill>
+                                <a:srgbClr val="FF0000"/>
+                              </a:solidFill>
+                              <a:latin typeface="Cambria Math" panose="02040503050406030204" pitchFamily="18" charset="0"/>
+                            </a:rPr>
+                            <m:t>𝐹</m:t>
+                          </m:r>
+                        </m:e>
+                        <m:sub>
+                          <m:r>
+                            <a:rPr kumimoji="1" lang="en-US" altLang="ja-JP" b="0" i="1" smtClean="0">
+                              <a:solidFill>
+                                <a:srgbClr val="FF0000"/>
+                              </a:solidFill>
+                              <a:latin typeface="Cambria Math" panose="02040503050406030204" pitchFamily="18" charset="0"/>
+                            </a:rPr>
+                            <m:t>𝑥</m:t>
+                          </m:r>
+                        </m:sub>
+                      </m:sSub>
+                    </m:oMath>
+                  </m:oMathPara>
+                </a14:m>
+                <a:endParaRPr kumimoji="1" lang="ja-JP" altLang="en-US">
+                  <a:solidFill>
+                    <a:srgbClr val="FF0000"/>
+                  </a:solidFill>
+                </a:endParaRPr>
+              </a:p>
+            </p:txBody>
+          </p:sp>
+        </mc:Choice>
+        <mc:Fallback>
+          <p:sp>
+            <p:nvSpPr>
+              <p:cNvPr id="24" name="テキスト ボックス 23">
+                <a:extLst>
+                  <a:ext uri="{FF2B5EF4-FFF2-40B4-BE49-F238E27FC236}">
+                    <a16:creationId xmlns:a16="http://schemas.microsoft.com/office/drawing/2014/main" id="{46686FD3-ED3E-A9B0-0884-86DCE5C0C92F}"/>
+                  </a:ext>
+                </a:extLst>
+              </p:cNvPr>
+              <p:cNvSpPr txBox="1">
+                <a:spLocks noRot="1" noChangeAspect="1" noMove="1" noResize="1" noEditPoints="1" noAdjustHandles="1" noChangeArrowheads="1" noChangeShapeType="1" noTextEdit="1"/>
+              </p:cNvSpPr>
+              <p:nvPr/>
+            </p:nvSpPr>
+            <p:spPr>
+              <a:xfrm>
+                <a:off x="6301735" y="1850340"/>
+                <a:ext cx="262316" cy="276999"/>
+              </a:xfrm>
+              <a:prstGeom prst="rect">
+                <a:avLst/>
+              </a:prstGeom>
+              <a:blipFill>
+                <a:blip r:embed="rId3"/>
+                <a:stretch>
+                  <a:fillRect l="-19048" b="-8696"/>
+                </a:stretch>
+              </a:blipFill>
+            </p:spPr>
+            <p:txBody>
+              <a:bodyPr/>
+              <a:lstStyle/>
+              <a:p>
+                <a:r>
+                  <a:rPr lang="ja-JP" altLang="en-US">
+                    <a:noFill/>
+                  </a:rPr>
+                  <a:t> </a:t>
+                </a:r>
+              </a:p>
+            </p:txBody>
+          </p:sp>
+        </mc:Fallback>
+      </mc:AlternateContent>
+      <mc:AlternateContent xmlns:mc="http://schemas.openxmlformats.org/markup-compatibility/2006">
+        <mc:Choice xmlns:a14="http://schemas.microsoft.com/office/drawing/2010/main" Requires="a14">
+          <p:sp>
+            <p:nvSpPr>
+              <p:cNvPr id="25" name="テキスト ボックス 24">
+                <a:extLst>
+                  <a:ext uri="{FF2B5EF4-FFF2-40B4-BE49-F238E27FC236}">
+                    <a16:creationId xmlns:a16="http://schemas.microsoft.com/office/drawing/2014/main" id="{41E4F7C9-D90F-92F7-03B1-C64E172D922A}"/>
+                  </a:ext>
+                </a:extLst>
+              </p:cNvPr>
+              <p:cNvSpPr txBox="1"/>
+              <p:nvPr/>
+            </p:nvSpPr>
+            <p:spPr>
+              <a:xfrm>
+                <a:off x="3758082" y="2714436"/>
+                <a:ext cx="166969" cy="276999"/>
+              </a:xfrm>
+              <a:prstGeom prst="rect">
+                <a:avLst/>
+              </a:prstGeom>
+              <a:noFill/>
+            </p:spPr>
+            <p:txBody>
+              <a:bodyPr wrap="none" lIns="0" tIns="0" rIns="0" bIns="0" rtlCol="0">
+                <a:spAutoFit/>
+              </a:bodyPr>
+              <a:lstStyle/>
+              <a:p>
+                <a14:m>
+                  <m:oMathPara xmlns:m="http://schemas.openxmlformats.org/officeDocument/2006/math">
+                    <m:oMathParaPr>
+                      <m:jc m:val="centerGroup"/>
+                    </m:oMathParaPr>
+                    <m:oMath xmlns:m="http://schemas.openxmlformats.org/officeDocument/2006/math">
+                      <m:r>
+                        <a:rPr kumimoji="1" lang="en-US" altLang="ja-JP" b="0" i="1" smtClean="0">
+                          <a:latin typeface="Cambria Math" panose="02040503050406030204" pitchFamily="18" charset="0"/>
+                        </a:rPr>
+                        <m:t>𝑟</m:t>
+                      </m:r>
+                    </m:oMath>
+                  </m:oMathPara>
+                </a14:m>
+                <a:endParaRPr kumimoji="1" lang="en-US" altLang="ja-JP" b="0" dirty="0"/>
+              </a:p>
+            </p:txBody>
+          </p:sp>
+        </mc:Choice>
+        <mc:Fallback>
+          <p:sp>
+            <p:nvSpPr>
+              <p:cNvPr id="25" name="テキスト ボックス 24">
+                <a:extLst>
+                  <a:ext uri="{FF2B5EF4-FFF2-40B4-BE49-F238E27FC236}">
+                    <a16:creationId xmlns:a16="http://schemas.microsoft.com/office/drawing/2014/main" id="{41E4F7C9-D90F-92F7-03B1-C64E172D922A}"/>
+                  </a:ext>
+                </a:extLst>
+              </p:cNvPr>
+              <p:cNvSpPr txBox="1">
+                <a:spLocks noRot="1" noChangeAspect="1" noMove="1" noResize="1" noEditPoints="1" noAdjustHandles="1" noChangeArrowheads="1" noChangeShapeType="1" noTextEdit="1"/>
+              </p:cNvSpPr>
+              <p:nvPr/>
+            </p:nvSpPr>
+            <p:spPr>
+              <a:xfrm>
+                <a:off x="3758082" y="2714436"/>
+                <a:ext cx="166969" cy="276999"/>
+              </a:xfrm>
+              <a:prstGeom prst="rect">
+                <a:avLst/>
+              </a:prstGeom>
+              <a:blipFill>
+                <a:blip r:embed="rId4"/>
+                <a:stretch>
+                  <a:fillRect l="-13333" r="-13333"/>
+                </a:stretch>
+              </a:blipFill>
+            </p:spPr>
+            <p:txBody>
+              <a:bodyPr/>
+              <a:lstStyle/>
+              <a:p>
+                <a:r>
+                  <a:rPr lang="ja-JP" altLang="en-US">
+                    <a:noFill/>
+                  </a:rPr>
+                  <a:t> </a:t>
+                </a:r>
+              </a:p>
+            </p:txBody>
+          </p:sp>
+        </mc:Fallback>
+      </mc:AlternateContent>
+      <mc:AlternateContent xmlns:mc="http://schemas.openxmlformats.org/markup-compatibility/2006">
+        <mc:Choice xmlns:a14="http://schemas.microsoft.com/office/drawing/2010/main" Requires="a14">
+          <p:sp>
+            <p:nvSpPr>
+              <p:cNvPr id="26" name="テキスト ボックス 25">
+                <a:extLst>
+                  <a:ext uri="{FF2B5EF4-FFF2-40B4-BE49-F238E27FC236}">
+                    <a16:creationId xmlns:a16="http://schemas.microsoft.com/office/drawing/2014/main" id="{3D5E3FBE-0A37-485A-4DA7-983039CBC9F4}"/>
+                  </a:ext>
+                </a:extLst>
+              </p:cNvPr>
+              <p:cNvSpPr txBox="1"/>
+              <p:nvPr/>
+            </p:nvSpPr>
+            <p:spPr>
+              <a:xfrm>
+                <a:off x="5316770" y="854091"/>
+                <a:ext cx="269946" cy="298928"/>
+              </a:xfrm>
+              <a:prstGeom prst="rect">
+                <a:avLst/>
+              </a:prstGeom>
+              <a:noFill/>
+            </p:spPr>
+            <p:txBody>
+              <a:bodyPr wrap="none" lIns="0" tIns="0" rIns="0" bIns="0" rtlCol="0">
+                <a:spAutoFit/>
+              </a:bodyPr>
+              <a:lstStyle/>
+              <a:p>
+                <a14:m>
+                  <m:oMathPara xmlns:m="http://schemas.openxmlformats.org/officeDocument/2006/math">
+                    <m:oMathParaPr>
+                      <m:jc m:val="centerGroup"/>
+                    </m:oMathParaPr>
+                    <m:oMath xmlns:m="http://schemas.openxmlformats.org/officeDocument/2006/math">
+                      <m:sSub>
+                        <m:sSubPr>
+                          <m:ctrlPr>
+                            <a:rPr kumimoji="1" lang="en-US" altLang="ja-JP" b="0" i="1" smtClean="0">
+                              <a:solidFill>
+                                <a:srgbClr val="FF0000"/>
+                              </a:solidFill>
+                              <a:latin typeface="Cambria Math" panose="02040503050406030204" pitchFamily="18" charset="0"/>
+                            </a:rPr>
+                          </m:ctrlPr>
+                        </m:sSubPr>
+                        <m:e>
+                          <m:r>
+                            <a:rPr kumimoji="1" lang="en-US" altLang="ja-JP" b="0" i="1" smtClean="0">
+                              <a:solidFill>
+                                <a:srgbClr val="FF0000"/>
+                              </a:solidFill>
+                              <a:latin typeface="Cambria Math" panose="02040503050406030204" pitchFamily="18" charset="0"/>
+                            </a:rPr>
+                            <m:t>𝐹</m:t>
+                          </m:r>
+                        </m:e>
+                        <m:sub>
+                          <m:r>
+                            <a:rPr kumimoji="1" lang="en-US" altLang="ja-JP" b="0" i="1" smtClean="0">
+                              <a:solidFill>
+                                <a:srgbClr val="FF0000"/>
+                              </a:solidFill>
+                              <a:latin typeface="Cambria Math" panose="02040503050406030204" pitchFamily="18" charset="0"/>
+                            </a:rPr>
+                            <m:t>𝑦</m:t>
+                          </m:r>
+                        </m:sub>
+                      </m:sSub>
+                    </m:oMath>
+                  </m:oMathPara>
+                </a14:m>
+                <a:endParaRPr kumimoji="1" lang="ja-JP" altLang="en-US">
+                  <a:solidFill>
+                    <a:srgbClr val="FF0000"/>
+                  </a:solidFill>
+                </a:endParaRPr>
+              </a:p>
+            </p:txBody>
+          </p:sp>
+        </mc:Choice>
+        <mc:Fallback>
+          <p:sp>
+            <p:nvSpPr>
+              <p:cNvPr id="26" name="テキスト ボックス 25">
+                <a:extLst>
+                  <a:ext uri="{FF2B5EF4-FFF2-40B4-BE49-F238E27FC236}">
+                    <a16:creationId xmlns:a16="http://schemas.microsoft.com/office/drawing/2014/main" id="{3D5E3FBE-0A37-485A-4DA7-983039CBC9F4}"/>
+                  </a:ext>
+                </a:extLst>
+              </p:cNvPr>
+              <p:cNvSpPr txBox="1">
+                <a:spLocks noRot="1" noChangeAspect="1" noMove="1" noResize="1" noEditPoints="1" noAdjustHandles="1" noChangeArrowheads="1" noChangeShapeType="1" noTextEdit="1"/>
+              </p:cNvSpPr>
+              <p:nvPr/>
+            </p:nvSpPr>
+            <p:spPr>
+              <a:xfrm>
+                <a:off x="5316770" y="854091"/>
+                <a:ext cx="269946" cy="298928"/>
+              </a:xfrm>
+              <a:prstGeom prst="rect">
+                <a:avLst/>
+              </a:prstGeom>
+              <a:blipFill>
+                <a:blip r:embed="rId5"/>
+                <a:stretch>
+                  <a:fillRect l="-18182" r="-9091" b="-20833"/>
+                </a:stretch>
+              </a:blipFill>
+            </p:spPr>
+            <p:txBody>
+              <a:bodyPr/>
+              <a:lstStyle/>
+              <a:p>
+                <a:r>
+                  <a:rPr lang="ja-JP" altLang="en-US">
+                    <a:noFill/>
+                  </a:rPr>
+                  <a:t> </a:t>
+                </a:r>
+              </a:p>
+            </p:txBody>
+          </p:sp>
+        </mc:Fallback>
+      </mc:AlternateContent>
+      <mc:AlternateContent xmlns:mc="http://schemas.openxmlformats.org/markup-compatibility/2006">
+        <mc:Choice xmlns:a14="http://schemas.microsoft.com/office/drawing/2010/main" Requires="a14">
+          <p:sp>
+            <p:nvSpPr>
+              <p:cNvPr id="27" name="テキスト ボックス 26">
+                <a:extLst>
+                  <a:ext uri="{FF2B5EF4-FFF2-40B4-BE49-F238E27FC236}">
+                    <a16:creationId xmlns:a16="http://schemas.microsoft.com/office/drawing/2014/main" id="{5C234458-281B-81BB-DEA0-389DA3CAFBA5}"/>
+                  </a:ext>
+                </a:extLst>
+              </p:cNvPr>
+              <p:cNvSpPr txBox="1"/>
+              <p:nvPr/>
+            </p:nvSpPr>
+            <p:spPr>
+              <a:xfrm>
+                <a:off x="6058518" y="1315797"/>
+                <a:ext cx="315651" cy="276999"/>
+              </a:xfrm>
+              <a:prstGeom prst="rect">
+                <a:avLst/>
+              </a:prstGeom>
+              <a:noFill/>
+            </p:spPr>
+            <p:txBody>
+              <a:bodyPr wrap="square" lIns="0" tIns="0" rIns="0" bIns="0" rtlCol="0">
+                <a:spAutoFit/>
+              </a:bodyPr>
+              <a:lstStyle/>
+              <a:p>
+                <a14:m>
+                  <m:oMathPara xmlns:m="http://schemas.openxmlformats.org/officeDocument/2006/math">
+                    <m:oMathParaPr>
+                      <m:jc m:val="centerGroup"/>
+                    </m:oMathParaPr>
+                    <m:oMath xmlns:m="http://schemas.openxmlformats.org/officeDocument/2006/math">
+                      <m:sSub>
+                        <m:sSubPr>
+                          <m:ctrlPr>
+                            <a:rPr kumimoji="1" lang="en-US" altLang="ja-JP" b="0" i="1" smtClean="0">
+                              <a:solidFill>
+                                <a:srgbClr val="0070C0"/>
+                              </a:solidFill>
+                              <a:latin typeface="Cambria Math" panose="02040503050406030204" pitchFamily="18" charset="0"/>
+                            </a:rPr>
+                          </m:ctrlPr>
+                        </m:sSubPr>
+                        <m:e>
+                          <m:r>
+                            <a:rPr kumimoji="1" lang="en-US" altLang="ja-JP" b="0" i="1" smtClean="0">
+                              <a:solidFill>
+                                <a:srgbClr val="0070C0"/>
+                              </a:solidFill>
+                              <a:latin typeface="Cambria Math" panose="02040503050406030204" pitchFamily="18" charset="0"/>
+                            </a:rPr>
+                            <m:t>𝐹</m:t>
+                          </m:r>
+                        </m:e>
+                        <m:sub>
+                          <m:r>
+                            <a:rPr kumimoji="1" lang="en-US" altLang="ja-JP" b="0" i="1" smtClean="0">
+                              <a:solidFill>
+                                <a:srgbClr val="0070C0"/>
+                              </a:solidFill>
+                              <a:latin typeface="Cambria Math" panose="02040503050406030204" pitchFamily="18" charset="0"/>
+                            </a:rPr>
+                            <m:t>𝑟</m:t>
+                          </m:r>
+                        </m:sub>
+                      </m:sSub>
+                    </m:oMath>
+                  </m:oMathPara>
+                </a14:m>
+                <a:endParaRPr kumimoji="1" lang="ja-JP" altLang="en-US">
+                  <a:solidFill>
+                    <a:srgbClr val="0070C0"/>
+                  </a:solidFill>
+                </a:endParaRPr>
+              </a:p>
+            </p:txBody>
+          </p:sp>
+        </mc:Choice>
+        <mc:Fallback>
+          <p:sp>
+            <p:nvSpPr>
+              <p:cNvPr id="27" name="テキスト ボックス 26">
+                <a:extLst>
+                  <a:ext uri="{FF2B5EF4-FFF2-40B4-BE49-F238E27FC236}">
+                    <a16:creationId xmlns:a16="http://schemas.microsoft.com/office/drawing/2014/main" id="{5C234458-281B-81BB-DEA0-389DA3CAFBA5}"/>
+                  </a:ext>
+                </a:extLst>
+              </p:cNvPr>
+              <p:cNvSpPr txBox="1">
+                <a:spLocks noRot="1" noChangeAspect="1" noMove="1" noResize="1" noEditPoints="1" noAdjustHandles="1" noChangeArrowheads="1" noChangeShapeType="1" noTextEdit="1"/>
+              </p:cNvSpPr>
+              <p:nvPr/>
+            </p:nvSpPr>
+            <p:spPr>
+              <a:xfrm>
+                <a:off x="6058518" y="1315797"/>
+                <a:ext cx="315651" cy="276999"/>
+              </a:xfrm>
+              <a:prstGeom prst="rect">
+                <a:avLst/>
+              </a:prstGeom>
+              <a:blipFill>
+                <a:blip r:embed="rId6"/>
+                <a:stretch>
+                  <a:fillRect l="-7692" b="-8696"/>
+                </a:stretch>
+              </a:blipFill>
+            </p:spPr>
+            <p:txBody>
+              <a:bodyPr/>
+              <a:lstStyle/>
+              <a:p>
+                <a:r>
+                  <a:rPr lang="ja-JP" altLang="en-US">
+                    <a:noFill/>
+                  </a:rPr>
+                  <a:t> </a:t>
+                </a:r>
+              </a:p>
+            </p:txBody>
+          </p:sp>
+        </mc:Fallback>
+      </mc:AlternateContent>
+      <mc:AlternateContent xmlns:mc="http://schemas.openxmlformats.org/markup-compatibility/2006">
+        <mc:Choice xmlns:a14="http://schemas.microsoft.com/office/drawing/2010/main" Requires="a14">
+          <p:sp>
+            <p:nvSpPr>
+              <p:cNvPr id="28" name="テキスト ボックス 27">
+                <a:extLst>
+                  <a:ext uri="{FF2B5EF4-FFF2-40B4-BE49-F238E27FC236}">
+                    <a16:creationId xmlns:a16="http://schemas.microsoft.com/office/drawing/2014/main" id="{14AD54B1-0A03-B658-CC38-68EAF2D3BC17}"/>
+                  </a:ext>
+                </a:extLst>
+              </p:cNvPr>
+              <p:cNvSpPr txBox="1"/>
+              <p:nvPr/>
+            </p:nvSpPr>
+            <p:spPr>
+              <a:xfrm>
+                <a:off x="4797296" y="1124744"/>
+                <a:ext cx="290592" cy="276999"/>
+              </a:xfrm>
+              <a:prstGeom prst="rect">
+                <a:avLst/>
+              </a:prstGeom>
+              <a:noFill/>
+            </p:spPr>
+            <p:txBody>
+              <a:bodyPr wrap="none" lIns="0" tIns="0" rIns="0" bIns="0" rtlCol="0">
+                <a:spAutoFit/>
+              </a:bodyPr>
+              <a:lstStyle/>
+              <a:p>
+                <a14:m>
+                  <m:oMathPara xmlns:m="http://schemas.openxmlformats.org/officeDocument/2006/math">
+                    <m:oMathParaPr>
+                      <m:jc m:val="centerGroup"/>
+                    </m:oMathParaPr>
+                    <m:oMath xmlns:m="http://schemas.openxmlformats.org/officeDocument/2006/math">
+                      <m:sSub>
+                        <m:sSubPr>
+                          <m:ctrlPr>
+                            <a:rPr kumimoji="1" lang="en-US" altLang="ja-JP" b="0" i="1" smtClean="0">
+                              <a:solidFill>
+                                <a:srgbClr val="0070C0"/>
+                              </a:solidFill>
+                              <a:latin typeface="Cambria Math" panose="02040503050406030204" pitchFamily="18" charset="0"/>
+                            </a:rPr>
+                          </m:ctrlPr>
+                        </m:sSubPr>
+                        <m:e>
+                          <m:r>
+                            <a:rPr kumimoji="1" lang="en-US" altLang="ja-JP" b="0" i="1" smtClean="0">
+                              <a:solidFill>
+                                <a:srgbClr val="0070C0"/>
+                              </a:solidFill>
+                              <a:latin typeface="Cambria Math" panose="02040503050406030204" pitchFamily="18" charset="0"/>
+                            </a:rPr>
+                            <m:t>𝐹</m:t>
+                          </m:r>
+                        </m:e>
+                        <m:sub>
+                          <m:r>
+                            <a:rPr kumimoji="1" lang="en-US" altLang="ja-JP" b="0" i="1" smtClean="0">
+                              <a:solidFill>
+                                <a:srgbClr val="0070C0"/>
+                              </a:solidFill>
+                              <a:latin typeface="Cambria Math" panose="02040503050406030204" pitchFamily="18" charset="0"/>
+                            </a:rPr>
+                            <m:t>𝜃</m:t>
+                          </m:r>
+                        </m:sub>
+                      </m:sSub>
+                    </m:oMath>
+                  </m:oMathPara>
+                </a14:m>
+                <a:endParaRPr kumimoji="1" lang="ja-JP" altLang="en-US">
+                  <a:solidFill>
+                    <a:srgbClr val="0070C0"/>
+                  </a:solidFill>
+                </a:endParaRPr>
+              </a:p>
+            </p:txBody>
+          </p:sp>
+        </mc:Choice>
+        <mc:Fallback>
+          <p:sp>
+            <p:nvSpPr>
+              <p:cNvPr id="28" name="テキスト ボックス 27">
+                <a:extLst>
+                  <a:ext uri="{FF2B5EF4-FFF2-40B4-BE49-F238E27FC236}">
+                    <a16:creationId xmlns:a16="http://schemas.microsoft.com/office/drawing/2014/main" id="{14AD54B1-0A03-B658-CC38-68EAF2D3BC17}"/>
+                  </a:ext>
+                </a:extLst>
+              </p:cNvPr>
+              <p:cNvSpPr txBox="1">
+                <a:spLocks noRot="1" noChangeAspect="1" noMove="1" noResize="1" noEditPoints="1" noAdjustHandles="1" noChangeArrowheads="1" noChangeShapeType="1" noTextEdit="1"/>
+              </p:cNvSpPr>
+              <p:nvPr/>
+            </p:nvSpPr>
+            <p:spPr>
+              <a:xfrm>
+                <a:off x="4797296" y="1124744"/>
+                <a:ext cx="290592" cy="276999"/>
+              </a:xfrm>
+              <a:prstGeom prst="rect">
+                <a:avLst/>
+              </a:prstGeom>
+              <a:blipFill>
+                <a:blip r:embed="rId7"/>
+                <a:stretch>
+                  <a:fillRect l="-16667" r="-8333" b="-13043"/>
+                </a:stretch>
+              </a:blipFill>
+            </p:spPr>
+            <p:txBody>
+              <a:bodyPr/>
+              <a:lstStyle/>
+              <a:p>
+                <a:r>
+                  <a:rPr lang="ja-JP" altLang="en-US">
+                    <a:noFill/>
+                  </a:rPr>
+                  <a:t> </a:t>
+                </a:r>
+              </a:p>
+            </p:txBody>
+          </p:sp>
+        </mc:Fallback>
+      </mc:AlternateContent>
+      <mc:AlternateContent xmlns:mc="http://schemas.openxmlformats.org/markup-compatibility/2006">
+        <mc:Choice xmlns:a14="http://schemas.microsoft.com/office/drawing/2010/main" Requires="a14">
+          <p:sp>
+            <p:nvSpPr>
+              <p:cNvPr id="29" name="テキスト ボックス 28">
+                <a:extLst>
+                  <a:ext uri="{FF2B5EF4-FFF2-40B4-BE49-F238E27FC236}">
+                    <a16:creationId xmlns:a16="http://schemas.microsoft.com/office/drawing/2014/main" id="{4B815E95-6032-AE7F-2724-ACD664AB2B8A}"/>
+                  </a:ext>
+                </a:extLst>
+              </p:cNvPr>
+              <p:cNvSpPr txBox="1"/>
+              <p:nvPr/>
+            </p:nvSpPr>
+            <p:spPr>
+              <a:xfrm>
+                <a:off x="4620706" y="2840277"/>
+                <a:ext cx="2508251" cy="597856"/>
+              </a:xfrm>
+              <a:prstGeom prst="rect">
+                <a:avLst/>
+              </a:prstGeom>
+              <a:noFill/>
+            </p:spPr>
+            <p:txBody>
+              <a:bodyPr wrap="none" lIns="0" tIns="0" rIns="0" bIns="0" rtlCol="0">
+                <a:spAutoFit/>
+              </a:bodyPr>
+              <a:lstStyle/>
+              <a:p>
+                <a:pPr/>
+                <a14:m>
+                  <m:oMathPara xmlns:m="http://schemas.openxmlformats.org/officeDocument/2006/math">
+                    <m:oMathParaPr>
+                      <m:jc m:val="centerGroup"/>
+                    </m:oMathParaPr>
+                    <m:oMath xmlns:m="http://schemas.openxmlformats.org/officeDocument/2006/math">
+                      <m:sSub>
+                        <m:sSubPr>
+                          <m:ctrlPr>
+                            <a:rPr kumimoji="1" lang="en-US" altLang="ja-JP" i="1" smtClean="0">
+                              <a:latin typeface="Cambria Math" panose="02040503050406030204" pitchFamily="18" charset="0"/>
+                            </a:rPr>
+                          </m:ctrlPr>
+                        </m:sSubPr>
+                        <m:e>
+                          <m:r>
+                            <a:rPr kumimoji="1" lang="en-US" altLang="ja-JP" i="1">
+                              <a:latin typeface="Cambria Math" panose="02040503050406030204" pitchFamily="18" charset="0"/>
+                            </a:rPr>
+                            <m:t>𝐹</m:t>
+                          </m:r>
+                        </m:e>
+                        <m:sub>
+                          <m:r>
+                            <a:rPr kumimoji="1" lang="en-US" altLang="ja-JP" i="1">
+                              <a:latin typeface="Cambria Math" panose="02040503050406030204" pitchFamily="18" charset="0"/>
+                            </a:rPr>
+                            <m:t>𝑟</m:t>
+                          </m:r>
+                        </m:sub>
+                      </m:sSub>
+                      <m:r>
+                        <a:rPr kumimoji="1" lang="en-US" altLang="ja-JP" i="1">
+                          <a:latin typeface="Cambria Math" panose="02040503050406030204" pitchFamily="18" charset="0"/>
+                        </a:rPr>
+                        <m:t>=</m:t>
+                      </m:r>
+                      <m:sSub>
+                        <m:sSubPr>
+                          <m:ctrlPr>
+                            <a:rPr kumimoji="1" lang="en-US" altLang="ja-JP" i="1">
+                              <a:latin typeface="Cambria Math" panose="02040503050406030204" pitchFamily="18" charset="0"/>
+                            </a:rPr>
+                          </m:ctrlPr>
+                        </m:sSubPr>
+                        <m:e>
+                          <m:r>
+                            <a:rPr kumimoji="1" lang="en-US" altLang="ja-JP" i="1">
+                              <a:latin typeface="Cambria Math" panose="02040503050406030204" pitchFamily="18" charset="0"/>
+                            </a:rPr>
+                            <m:t>𝐹</m:t>
+                          </m:r>
+                        </m:e>
+                        <m:sub>
+                          <m:r>
+                            <a:rPr kumimoji="1" lang="en-US" altLang="ja-JP" i="1">
+                              <a:latin typeface="Cambria Math" panose="02040503050406030204" pitchFamily="18" charset="0"/>
+                            </a:rPr>
+                            <m:t>𝑥</m:t>
+                          </m:r>
+                        </m:sub>
+                      </m:sSub>
+                      <m:func>
+                        <m:funcPr>
+                          <m:ctrlPr>
+                            <a:rPr kumimoji="1" lang="en-US" altLang="ja-JP" i="1">
+                              <a:latin typeface="Cambria Math" panose="02040503050406030204" pitchFamily="18" charset="0"/>
+                            </a:rPr>
+                          </m:ctrlPr>
+                        </m:funcPr>
+                        <m:fName>
+                          <m:r>
+                            <m:rPr>
+                              <m:sty m:val="p"/>
+                            </m:rPr>
+                            <a:rPr kumimoji="1" lang="en-US" altLang="ja-JP">
+                              <a:latin typeface="Cambria Math" panose="02040503050406030204" pitchFamily="18" charset="0"/>
+                            </a:rPr>
+                            <m:t>cos</m:t>
+                          </m:r>
+                        </m:fName>
+                        <m:e>
+                          <m:r>
+                            <a:rPr kumimoji="1" lang="en-US" altLang="ja-JP" i="1">
+                              <a:latin typeface="Cambria Math" panose="02040503050406030204" pitchFamily="18" charset="0"/>
+                            </a:rPr>
+                            <m:t>𝜃</m:t>
+                          </m:r>
+                        </m:e>
+                      </m:func>
+                      <m:r>
+                        <a:rPr kumimoji="1" lang="en-US" altLang="ja-JP" i="1">
+                          <a:latin typeface="Cambria Math" panose="02040503050406030204" pitchFamily="18" charset="0"/>
+                        </a:rPr>
+                        <m:t>+</m:t>
+                      </m:r>
+                      <m:sSub>
+                        <m:sSubPr>
+                          <m:ctrlPr>
+                            <a:rPr kumimoji="1" lang="en-US" altLang="ja-JP" i="1">
+                              <a:latin typeface="Cambria Math" panose="02040503050406030204" pitchFamily="18" charset="0"/>
+                            </a:rPr>
+                          </m:ctrlPr>
+                        </m:sSubPr>
+                        <m:e>
+                          <m:r>
+                            <a:rPr kumimoji="1" lang="en-US" altLang="ja-JP" i="1">
+                              <a:latin typeface="Cambria Math" panose="02040503050406030204" pitchFamily="18" charset="0"/>
+                            </a:rPr>
+                            <m:t>𝐹</m:t>
+                          </m:r>
+                        </m:e>
+                        <m:sub>
+                          <m:r>
+                            <a:rPr kumimoji="1" lang="en-US" altLang="ja-JP" i="1">
+                              <a:latin typeface="Cambria Math" panose="02040503050406030204" pitchFamily="18" charset="0"/>
+                            </a:rPr>
+                            <m:t>𝑦</m:t>
+                          </m:r>
+                        </m:sub>
+                      </m:sSub>
+                      <m:func>
+                        <m:funcPr>
+                          <m:ctrlPr>
+                            <a:rPr kumimoji="1" lang="en-US" altLang="ja-JP" i="1">
+                              <a:latin typeface="Cambria Math" panose="02040503050406030204" pitchFamily="18" charset="0"/>
+                            </a:rPr>
+                          </m:ctrlPr>
+                        </m:funcPr>
+                        <m:fName>
+                          <m:r>
+                            <m:rPr>
+                              <m:sty m:val="p"/>
+                            </m:rPr>
+                            <a:rPr kumimoji="1" lang="en-US" altLang="ja-JP">
+                              <a:latin typeface="Cambria Math" panose="02040503050406030204" pitchFamily="18" charset="0"/>
+                            </a:rPr>
+                            <m:t>sin</m:t>
+                          </m:r>
+                        </m:fName>
+                        <m:e>
+                          <m:r>
+                            <a:rPr kumimoji="1" lang="en-US" altLang="ja-JP" i="1">
+                              <a:latin typeface="Cambria Math" panose="02040503050406030204" pitchFamily="18" charset="0"/>
+                            </a:rPr>
+                            <m:t>𝜃</m:t>
+                          </m:r>
+                        </m:e>
+                      </m:func>
+                    </m:oMath>
+                  </m:oMathPara>
+                </a14:m>
+                <a:endParaRPr kumimoji="1" lang="en-US" altLang="ja-JP" dirty="0"/>
+              </a:p>
+              <a:p>
+                <a14:m>
+                  <m:oMathPara xmlns:m="http://schemas.openxmlformats.org/officeDocument/2006/math">
+                    <m:oMathParaPr>
+                      <m:jc m:val="centerGroup"/>
+                    </m:oMathParaPr>
+                    <m:oMath xmlns:m="http://schemas.openxmlformats.org/officeDocument/2006/math">
+                      <m:sSub>
+                        <m:sSubPr>
+                          <m:ctrlPr>
+                            <a:rPr kumimoji="1" lang="en-US" altLang="ja-JP" b="0" i="1" smtClean="0">
+                              <a:latin typeface="Cambria Math" panose="02040503050406030204" pitchFamily="18" charset="0"/>
+                            </a:rPr>
+                          </m:ctrlPr>
+                        </m:sSubPr>
+                        <m:e>
+                          <m:r>
+                            <a:rPr kumimoji="1" lang="en-US" altLang="ja-JP" b="0" i="1" smtClean="0">
+                              <a:latin typeface="Cambria Math" panose="02040503050406030204" pitchFamily="18" charset="0"/>
+                            </a:rPr>
+                            <m:t>𝐹</m:t>
+                          </m:r>
+                        </m:e>
+                        <m:sub>
+                          <m:r>
+                            <a:rPr kumimoji="1" lang="en-US" altLang="ja-JP" b="0" i="1" smtClean="0">
+                              <a:latin typeface="Cambria Math" panose="02040503050406030204" pitchFamily="18" charset="0"/>
+                            </a:rPr>
+                            <m:t>𝜃</m:t>
+                          </m:r>
+                        </m:sub>
+                      </m:sSub>
+                      <m:r>
+                        <a:rPr kumimoji="1" lang="en-US" altLang="ja-JP" b="0" i="1" smtClean="0">
+                          <a:latin typeface="Cambria Math" panose="02040503050406030204" pitchFamily="18" charset="0"/>
+                        </a:rPr>
+                        <m:t>=</m:t>
+                      </m:r>
+                      <m:r>
+                        <a:rPr kumimoji="1" lang="en-US" altLang="ja-JP" b="0" i="1" smtClean="0">
+                          <a:latin typeface="Cambria Math" panose="02040503050406030204" pitchFamily="18" charset="0"/>
+                        </a:rPr>
+                        <m:t>−</m:t>
+                      </m:r>
+                      <m:sSub>
+                        <m:sSubPr>
+                          <m:ctrlPr>
+                            <a:rPr kumimoji="1" lang="en-US" altLang="ja-JP" b="0" i="1" smtClean="0">
+                              <a:latin typeface="Cambria Math" panose="02040503050406030204" pitchFamily="18" charset="0"/>
+                            </a:rPr>
+                          </m:ctrlPr>
+                        </m:sSubPr>
+                        <m:e>
+                          <m:r>
+                            <a:rPr kumimoji="1" lang="en-US" altLang="ja-JP" b="0" i="1" smtClean="0">
+                              <a:latin typeface="Cambria Math" panose="02040503050406030204" pitchFamily="18" charset="0"/>
+                            </a:rPr>
+                            <m:t>𝐹</m:t>
+                          </m:r>
+                        </m:e>
+                        <m:sub>
+                          <m:r>
+                            <a:rPr kumimoji="1" lang="en-US" altLang="ja-JP" b="0" i="1" smtClean="0">
+                              <a:latin typeface="Cambria Math" panose="02040503050406030204" pitchFamily="18" charset="0"/>
+                            </a:rPr>
+                            <m:t>𝑥</m:t>
+                          </m:r>
+                        </m:sub>
+                      </m:sSub>
+                      <m:func>
+                        <m:funcPr>
+                          <m:ctrlPr>
+                            <a:rPr kumimoji="1" lang="en-US" altLang="ja-JP" b="0" i="1" smtClean="0">
+                              <a:latin typeface="Cambria Math" panose="02040503050406030204" pitchFamily="18" charset="0"/>
+                            </a:rPr>
+                          </m:ctrlPr>
+                        </m:funcPr>
+                        <m:fName>
+                          <m:r>
+                            <m:rPr>
+                              <m:sty m:val="p"/>
+                            </m:rPr>
+                            <a:rPr kumimoji="1" lang="en-US" altLang="ja-JP" b="0" i="0" smtClean="0">
+                              <a:latin typeface="Cambria Math" panose="02040503050406030204" pitchFamily="18" charset="0"/>
+                            </a:rPr>
+                            <m:t>sin</m:t>
+                          </m:r>
+                        </m:fName>
+                        <m:e>
+                          <m:r>
+                            <a:rPr kumimoji="1" lang="en-US" altLang="ja-JP" b="0" i="1" smtClean="0">
+                              <a:latin typeface="Cambria Math" panose="02040503050406030204" pitchFamily="18" charset="0"/>
+                            </a:rPr>
+                            <m:t>𝜃</m:t>
+                          </m:r>
+                        </m:e>
+                      </m:func>
+                      <m:r>
+                        <a:rPr kumimoji="1" lang="en-US" altLang="ja-JP" b="0" i="1" smtClean="0">
+                          <a:latin typeface="Cambria Math" panose="02040503050406030204" pitchFamily="18" charset="0"/>
+                        </a:rPr>
+                        <m:t>+</m:t>
+                      </m:r>
+                      <m:sSub>
+                        <m:sSubPr>
+                          <m:ctrlPr>
+                            <a:rPr kumimoji="1" lang="en-US" altLang="ja-JP" b="0" i="1" smtClean="0">
+                              <a:latin typeface="Cambria Math" panose="02040503050406030204" pitchFamily="18" charset="0"/>
+                            </a:rPr>
+                          </m:ctrlPr>
+                        </m:sSubPr>
+                        <m:e>
+                          <m:r>
+                            <a:rPr kumimoji="1" lang="en-US" altLang="ja-JP" b="0" i="1" smtClean="0">
+                              <a:latin typeface="Cambria Math" panose="02040503050406030204" pitchFamily="18" charset="0"/>
+                            </a:rPr>
+                            <m:t>𝐹</m:t>
+                          </m:r>
+                        </m:e>
+                        <m:sub>
+                          <m:r>
+                            <a:rPr kumimoji="1" lang="en-US" altLang="ja-JP" b="0" i="1" smtClean="0">
+                              <a:latin typeface="Cambria Math" panose="02040503050406030204" pitchFamily="18" charset="0"/>
+                            </a:rPr>
+                            <m:t>𝑦</m:t>
+                          </m:r>
+                        </m:sub>
+                      </m:sSub>
+                      <m:func>
+                        <m:funcPr>
+                          <m:ctrlPr>
+                            <a:rPr kumimoji="1" lang="en-US" altLang="ja-JP" b="0" i="1" smtClean="0">
+                              <a:latin typeface="Cambria Math" panose="02040503050406030204" pitchFamily="18" charset="0"/>
+                            </a:rPr>
+                          </m:ctrlPr>
+                        </m:funcPr>
+                        <m:fName>
+                          <m:r>
+                            <m:rPr>
+                              <m:sty m:val="p"/>
+                            </m:rPr>
+                            <a:rPr kumimoji="1" lang="en-US" altLang="ja-JP" b="0" i="0" smtClean="0">
+                              <a:latin typeface="Cambria Math" panose="02040503050406030204" pitchFamily="18" charset="0"/>
+                            </a:rPr>
+                            <m:t>cos</m:t>
+                          </m:r>
+                        </m:fName>
+                        <m:e>
+                          <m:r>
+                            <a:rPr kumimoji="1" lang="en-US" altLang="ja-JP" b="0" i="1" smtClean="0">
+                              <a:latin typeface="Cambria Math" panose="02040503050406030204" pitchFamily="18" charset="0"/>
+                            </a:rPr>
+                            <m:t>𝜃</m:t>
+                          </m:r>
+                        </m:e>
+                      </m:func>
+                    </m:oMath>
+                  </m:oMathPara>
+                </a14:m>
+                <a:endParaRPr kumimoji="1" lang="en-US" altLang="ja-JP" b="0" dirty="0"/>
+              </a:p>
+            </p:txBody>
+          </p:sp>
+        </mc:Choice>
+        <mc:Fallback>
+          <p:sp>
+            <p:nvSpPr>
+              <p:cNvPr id="29" name="テキスト ボックス 28">
+                <a:extLst>
+                  <a:ext uri="{FF2B5EF4-FFF2-40B4-BE49-F238E27FC236}">
+                    <a16:creationId xmlns:a16="http://schemas.microsoft.com/office/drawing/2014/main" id="{4B815E95-6032-AE7F-2724-ACD664AB2B8A}"/>
+                  </a:ext>
+                </a:extLst>
+              </p:cNvPr>
+              <p:cNvSpPr txBox="1">
+                <a:spLocks noRot="1" noChangeAspect="1" noMove="1" noResize="1" noEditPoints="1" noAdjustHandles="1" noChangeArrowheads="1" noChangeShapeType="1" noTextEdit="1"/>
+              </p:cNvSpPr>
+              <p:nvPr/>
+            </p:nvSpPr>
+            <p:spPr>
+              <a:xfrm>
+                <a:off x="4620706" y="2840277"/>
+                <a:ext cx="2508251" cy="597856"/>
+              </a:xfrm>
+              <a:prstGeom prst="rect">
+                <a:avLst/>
+              </a:prstGeom>
+              <a:blipFill>
+                <a:blip r:embed="rId8"/>
+                <a:stretch>
+                  <a:fillRect l="-1508" r="-1005" b="-10417"/>
+                </a:stretch>
+              </a:blipFill>
+            </p:spPr>
+            <p:txBody>
+              <a:bodyPr/>
+              <a:lstStyle/>
+              <a:p>
+                <a:r>
+                  <a:rPr lang="ja-JP" altLang="en-US">
+                    <a:noFill/>
+                  </a:rPr>
+                  <a:t> </a:t>
+                </a:r>
+              </a:p>
+            </p:txBody>
+          </p:sp>
+        </mc:Fallback>
+      </mc:AlternateContent>
+      <mc:AlternateContent xmlns:mc="http://schemas.openxmlformats.org/markup-compatibility/2006">
+        <mc:Choice xmlns:a14="http://schemas.microsoft.com/office/drawing/2010/main" Requires="a14">
+          <p:sp>
+            <p:nvSpPr>
+              <p:cNvPr id="31" name="テキスト ボックス 30">
+                <a:extLst>
+                  <a:ext uri="{FF2B5EF4-FFF2-40B4-BE49-F238E27FC236}">
+                    <a16:creationId xmlns:a16="http://schemas.microsoft.com/office/drawing/2014/main" id="{D6FB6DF2-6042-A3CE-1F99-4E44E5A43EE8}"/>
+                  </a:ext>
+                </a:extLst>
+              </p:cNvPr>
+              <p:cNvSpPr txBox="1"/>
+              <p:nvPr/>
+            </p:nvSpPr>
+            <p:spPr>
+              <a:xfrm>
+                <a:off x="2404180" y="4005064"/>
+                <a:ext cx="214033" cy="276999"/>
+              </a:xfrm>
+              <a:prstGeom prst="rect">
+                <a:avLst/>
+              </a:prstGeom>
+              <a:noFill/>
+            </p:spPr>
+            <p:txBody>
+              <a:bodyPr wrap="none" lIns="0" tIns="0" rIns="0" bIns="0" rtlCol="0">
+                <a:spAutoFit/>
+              </a:bodyPr>
+              <a:lstStyle/>
+              <a:p>
+                <a14:m>
+                  <m:oMathPara xmlns:m="http://schemas.openxmlformats.org/officeDocument/2006/math">
+                    <m:oMathParaPr>
+                      <m:jc m:val="centerGroup"/>
+                    </m:oMathParaPr>
+                    <m:oMath xmlns:m="http://schemas.openxmlformats.org/officeDocument/2006/math">
+                      <m:r>
+                        <a:rPr kumimoji="1" lang="en-US" altLang="ja-JP" b="0" i="1" smtClean="0">
+                          <a:latin typeface="Cambria Math" panose="02040503050406030204" pitchFamily="18" charset="0"/>
+                        </a:rPr>
+                        <m:t>𝑂</m:t>
+                      </m:r>
+                    </m:oMath>
+                  </m:oMathPara>
+                </a14:m>
+                <a:endParaRPr kumimoji="1" lang="en-US" altLang="ja-JP" b="0" dirty="0"/>
+              </a:p>
+            </p:txBody>
+          </p:sp>
+        </mc:Choice>
+        <mc:Fallback>
+          <p:sp>
+            <p:nvSpPr>
+              <p:cNvPr id="31" name="テキスト ボックス 30">
+                <a:extLst>
+                  <a:ext uri="{FF2B5EF4-FFF2-40B4-BE49-F238E27FC236}">
+                    <a16:creationId xmlns:a16="http://schemas.microsoft.com/office/drawing/2014/main" id="{D6FB6DF2-6042-A3CE-1F99-4E44E5A43EE8}"/>
+                  </a:ext>
+                </a:extLst>
+              </p:cNvPr>
+              <p:cNvSpPr txBox="1">
+                <a:spLocks noRot="1" noChangeAspect="1" noMove="1" noResize="1" noEditPoints="1" noAdjustHandles="1" noChangeArrowheads="1" noChangeShapeType="1" noTextEdit="1"/>
+              </p:cNvSpPr>
+              <p:nvPr/>
+            </p:nvSpPr>
+            <p:spPr>
+              <a:xfrm>
+                <a:off x="2404180" y="4005064"/>
+                <a:ext cx="214033" cy="276999"/>
+              </a:xfrm>
+              <a:prstGeom prst="rect">
+                <a:avLst/>
+              </a:prstGeom>
+              <a:blipFill>
+                <a:blip r:embed="rId9"/>
+                <a:stretch>
+                  <a:fillRect l="-23529" r="-23529" b="-9091"/>
+                </a:stretch>
+              </a:blipFill>
+            </p:spPr>
+            <p:txBody>
+              <a:bodyPr/>
+              <a:lstStyle/>
+              <a:p>
+                <a:r>
+                  <a:rPr lang="ja-JP" altLang="en-US">
+                    <a:noFill/>
+                  </a:rPr>
+                  <a:t> </a:t>
+                </a:r>
+              </a:p>
+            </p:txBody>
+          </p:sp>
+        </mc:Fallback>
+      </mc:AlternateContent>
+      <p:sp>
+        <p:nvSpPr>
+          <p:cNvPr id="32" name="円弧 31">
+            <a:extLst>
+              <a:ext uri="{FF2B5EF4-FFF2-40B4-BE49-F238E27FC236}">
+                <a16:creationId xmlns:a16="http://schemas.microsoft.com/office/drawing/2014/main" id="{A229570D-267B-FA29-93D1-02ABBCA20CB5}"/>
+              </a:ext>
+            </a:extLst>
+          </p:cNvPr>
+          <p:cNvSpPr/>
+          <p:nvPr/>
+        </p:nvSpPr>
+        <p:spPr>
+          <a:xfrm>
+            <a:off x="5609398" y="1824440"/>
+            <a:ext cx="198570" cy="302900"/>
+          </a:xfrm>
+          <a:prstGeom prst="arc">
+            <a:avLst/>
+          </a:prstGeom>
+          <a:ln>
+            <a:solidFill>
+              <a:schemeClr val="tx1"/>
+            </a:solidFill>
+            <a:headEnd type="none" w="med" len="med"/>
+            <a:tailEnd type="none" w="med" len="med"/>
+          </a:ln>
+        </p:spPr>
+        <p:style>
+          <a:lnRef idx="1">
+            <a:schemeClr val="accent1"/>
+          </a:lnRef>
+          <a:fillRef idx="0">
+            <a:schemeClr val="accent1"/>
+          </a:fillRef>
+          <a:effectRef idx="0">
+            <a:schemeClr val="accent1"/>
+          </a:effectRef>
+          <a:fontRef idx="minor">
+            <a:schemeClr val="tx1"/>
+          </a:fontRef>
+        </p:style>
+        <p:txBody>
+          <a:bodyPr rtlCol="0" anchor="ctr"/>
+          <a:lstStyle/>
+          <a:p>
+            <a:pPr algn="ctr"/>
+            <a:endParaRPr kumimoji="1" lang="ja-JP" altLang="en-US"/>
+          </a:p>
+        </p:txBody>
+      </p:sp>
+      <mc:AlternateContent xmlns:mc="http://schemas.openxmlformats.org/markup-compatibility/2006">
+        <mc:Choice xmlns:a14="http://schemas.microsoft.com/office/drawing/2010/main" Requires="a14">
+          <p:sp>
+            <p:nvSpPr>
+              <p:cNvPr id="33" name="テキスト ボックス 32">
+                <a:extLst>
+                  <a:ext uri="{FF2B5EF4-FFF2-40B4-BE49-F238E27FC236}">
+                    <a16:creationId xmlns:a16="http://schemas.microsoft.com/office/drawing/2014/main" id="{BF1D1708-4E1C-04C7-10EA-4DA3889A1FE7}"/>
+                  </a:ext>
+                </a:extLst>
+              </p:cNvPr>
+              <p:cNvSpPr txBox="1"/>
+              <p:nvPr/>
+            </p:nvSpPr>
+            <p:spPr>
+              <a:xfrm>
+                <a:off x="5811790" y="1711842"/>
+                <a:ext cx="189474" cy="276999"/>
+              </a:xfrm>
+              <a:prstGeom prst="rect">
+                <a:avLst/>
+              </a:prstGeom>
+              <a:noFill/>
+            </p:spPr>
+            <p:txBody>
+              <a:bodyPr wrap="none" lIns="0" tIns="0" rIns="0" bIns="0" rtlCol="0">
+                <a:spAutoFit/>
+              </a:bodyPr>
+              <a:lstStyle/>
+              <a:p>
+                <a14:m>
+                  <m:oMathPara xmlns:m="http://schemas.openxmlformats.org/officeDocument/2006/math">
+                    <m:oMathParaPr>
+                      <m:jc m:val="centerGroup"/>
+                    </m:oMathParaPr>
+                    <m:oMath xmlns:m="http://schemas.openxmlformats.org/officeDocument/2006/math">
+                      <m:r>
+                        <a:rPr kumimoji="1" lang="en-US" altLang="ja-JP" b="0" i="1" smtClean="0">
+                          <a:latin typeface="Cambria Math" panose="02040503050406030204" pitchFamily="18" charset="0"/>
+                        </a:rPr>
+                        <m:t>𝜃</m:t>
+                      </m:r>
+                    </m:oMath>
+                  </m:oMathPara>
+                </a14:m>
+                <a:endParaRPr kumimoji="1" lang="en-US" altLang="ja-JP" b="0" dirty="0"/>
+              </a:p>
+            </p:txBody>
+          </p:sp>
+        </mc:Choice>
+        <mc:Fallback>
+          <p:sp>
+            <p:nvSpPr>
+              <p:cNvPr id="33" name="テキスト ボックス 32">
+                <a:extLst>
+                  <a:ext uri="{FF2B5EF4-FFF2-40B4-BE49-F238E27FC236}">
+                    <a16:creationId xmlns:a16="http://schemas.microsoft.com/office/drawing/2014/main" id="{BF1D1708-4E1C-04C7-10EA-4DA3889A1FE7}"/>
+                  </a:ext>
+                </a:extLst>
+              </p:cNvPr>
+              <p:cNvSpPr txBox="1">
+                <a:spLocks noRot="1" noChangeAspect="1" noMove="1" noResize="1" noEditPoints="1" noAdjustHandles="1" noChangeArrowheads="1" noChangeShapeType="1" noTextEdit="1"/>
+              </p:cNvSpPr>
+              <p:nvPr/>
+            </p:nvSpPr>
+            <p:spPr>
+              <a:xfrm>
+                <a:off x="5811790" y="1711842"/>
+                <a:ext cx="189474" cy="276999"/>
+              </a:xfrm>
+              <a:prstGeom prst="rect">
+                <a:avLst/>
+              </a:prstGeom>
+              <a:blipFill>
+                <a:blip r:embed="rId10"/>
+                <a:stretch>
+                  <a:fillRect l="-25000" r="-25000" b="-4348"/>
+                </a:stretch>
+              </a:blipFill>
+            </p:spPr>
+            <p:txBody>
+              <a:bodyPr/>
+              <a:lstStyle/>
+              <a:p>
+                <a:r>
+                  <a:rPr lang="ja-JP" altLang="en-US">
+                    <a:noFill/>
+                  </a:rPr>
+                  <a:t> </a:t>
+                </a:r>
+              </a:p>
+            </p:txBody>
+          </p:sp>
+        </mc:Fallback>
+      </mc:AlternateContent>
+    </p:spTree>
+    <p:extLst>
+      <p:ext uri="{BB962C8B-B14F-4D97-AF65-F5344CB8AC3E}">
+        <p14:creationId xmlns:p14="http://schemas.microsoft.com/office/powerpoint/2010/main" val="1523036417"/>
+      </p:ext>
+    </p:extLst>
+  </p:cSld>
+  <p:clrMapOvr>
+    <a:masterClrMapping/>
+  </p:clrMapOvr>
+</p:sld>
+</file>
+
+<file path=ppt/slides/slide4.xml><?xml version="1.0" encoding="utf-8"?>
+<p:sld xmlns:a="http://schemas.openxmlformats.org/drawingml/2006/main" xmlns:r="http://schemas.openxmlformats.org/officeDocument/2006/relationships" xmlns:p="http://schemas.openxmlformats.org/presentationml/2006/main">
+  <p:cSld>
+    <p:spTree>
+      <p:nvGrpSpPr>
+        <p:cNvPr id="1" name=""/>
+        <p:cNvGrpSpPr/>
+        <p:nvPr/>
+      </p:nvGrpSpPr>
+      <p:grpSpPr>
+        <a:xfrm>
+          <a:off x="0" y="0"/>
+          <a:ext cx="0" cy="0"/>
+          <a:chOff x="0" y="0"/>
+          <a:chExt cx="0" cy="0"/>
+        </a:xfrm>
+      </p:grpSpPr>
       <mc:AlternateContent xmlns:mc="http://schemas.openxmlformats.org/markup-compatibility/2006" xmlns:a14="http://schemas.microsoft.com/office/drawing/2010/main">
         <mc:Choice Requires="a14">
           <p:sp>
@@ -11221,7 +12940,7 @@
 </p:sld>
 </file>
 
-<file path=ppt/slides/slide4.xml><?xml version="1.0" encoding="utf-8"?>
+<file path=ppt/slides/slide5.xml><?xml version="1.0" encoding="utf-8"?>
 <p:sld xmlns:a="http://schemas.openxmlformats.org/drawingml/2006/main" xmlns:r="http://schemas.openxmlformats.org/officeDocument/2006/relationships" xmlns:p="http://schemas.openxmlformats.org/presentationml/2006/main">
   <p:cSld>
     <p:spTree>
@@ -11882,8 +13601,8 @@
           </p:sp>
         </mc:Fallback>
       </mc:AlternateContent>
-      <mc:AlternateContent xmlns:mc="http://schemas.openxmlformats.org/markup-compatibility/2006">
-        <mc:Choice xmlns:a14="http://schemas.microsoft.com/office/drawing/2010/main" Requires="a14">
+      <mc:AlternateContent xmlns:mc="http://schemas.openxmlformats.org/markup-compatibility/2006" xmlns:a14="http://schemas.microsoft.com/office/drawing/2010/main">
+        <mc:Choice Requires="a14">
           <p:sp>
             <p:nvSpPr>
               <p:cNvPr id="8" name="テキスト ボックス 7">
@@ -12092,7 +13811,7 @@
             </p:txBody>
           </p:sp>
         </mc:Choice>
-        <mc:Fallback>
+        <mc:Fallback xmlns="">
           <p:sp>
             <p:nvSpPr>
               <p:cNvPr id="8" name="テキスト ボックス 7">
